--- a/Documentation/Li_Project_PowerPoint.pptx
+++ b/Documentation/Li_Project_PowerPoint.pptx
@@ -12,6 +12,20 @@
     <p:sldId id="260" r:id="rId6"/>
     <p:sldId id="261" r:id="rId7"/>
     <p:sldId id="262" r:id="rId8"/>
+    <p:sldId id="263" r:id="rId9"/>
+    <p:sldId id="264" r:id="rId10"/>
+    <p:sldId id="265" r:id="rId11"/>
+    <p:sldId id="266" r:id="rId12"/>
+    <p:sldId id="267" r:id="rId13"/>
+    <p:sldId id="268" r:id="rId14"/>
+    <p:sldId id="269" r:id="rId15"/>
+    <p:sldId id="270" r:id="rId16"/>
+    <p:sldId id="271" r:id="rId17"/>
+    <p:sldId id="272" r:id="rId18"/>
+    <p:sldId id="273" r:id="rId19"/>
+    <p:sldId id="274" r:id="rId20"/>
+    <p:sldId id="275" r:id="rId21"/>
+    <p:sldId id="276" r:id="rId22"/>
   </p:sldIdLst>
   <p:sldSz cx="12192000" cy="6858000"/>
   <p:notesSz cx="6858000" cy="9144000"/>
@@ -445,7 +459,7 @@
             <a:fld id="{B61BEF0D-F0BB-DE4B-95CE-6DB70DBA9567}" type="datetimeFigureOut">
               <a:rPr lang="en-US" dirty="0"/>
               <a:pPr/>
-              <a:t>4/25/16</a:t>
+              <a:t>4/26/2016</a:t>
             </a:fld>
             <a:endParaRPr lang="en-US" dirty="0"/>
           </a:p>
@@ -766,7 +780,7 @@
             <a:fld id="{B61BEF0D-F0BB-DE4B-95CE-6DB70DBA9567}" type="datetimeFigureOut">
               <a:rPr lang="en-US" dirty="0"/>
               <a:pPr/>
-              <a:t>4/25/16</a:t>
+              <a:t>4/26/2016</a:t>
             </a:fld>
             <a:endParaRPr lang="en-US" dirty="0"/>
           </a:p>
@@ -1011,7 +1025,7 @@
             <a:fld id="{B61BEF0D-F0BB-DE4B-95CE-6DB70DBA9567}" type="datetimeFigureOut">
               <a:rPr lang="en-US" dirty="0"/>
               <a:pPr/>
-              <a:t>4/25/16</a:t>
+              <a:t>4/26/2016</a:t>
             </a:fld>
             <a:endParaRPr lang="en-US" dirty="0"/>
           </a:p>
@@ -1347,7 +1361,7 @@
             <a:fld id="{B61BEF0D-F0BB-DE4B-95CE-6DB70DBA9567}" type="datetimeFigureOut">
               <a:rPr lang="en-US" dirty="0"/>
               <a:pPr/>
-              <a:t>4/25/16</a:t>
+              <a:t>4/26/2016</a:t>
             </a:fld>
             <a:endParaRPr lang="en-US" dirty="0"/>
           </a:p>
@@ -1691,7 +1705,7 @@
             <a:fld id="{B61BEF0D-F0BB-DE4B-95CE-6DB70DBA9567}" type="datetimeFigureOut">
               <a:rPr lang="en-US" dirty="0"/>
               <a:pPr/>
-              <a:t>4/25/16</a:t>
+              <a:t>4/26/2016</a:t>
             </a:fld>
             <a:endParaRPr lang="en-US" dirty="0"/>
           </a:p>
@@ -2062,7 +2076,7 @@
             <a:fld id="{B61BEF0D-F0BB-DE4B-95CE-6DB70DBA9567}" type="datetimeFigureOut">
               <a:rPr lang="en-US" dirty="0"/>
               <a:pPr/>
-              <a:t>4/25/16</a:t>
+              <a:t>4/26/2016</a:t>
             </a:fld>
             <a:endParaRPr lang="en-US" dirty="0"/>
           </a:p>
@@ -2529,7 +2543,7 @@
             <a:fld id="{B61BEF0D-F0BB-DE4B-95CE-6DB70DBA9567}" type="datetimeFigureOut">
               <a:rPr lang="en-US" dirty="0"/>
               <a:pPr/>
-              <a:t>4/25/16</a:t>
+              <a:t>4/26/2016</a:t>
             </a:fld>
             <a:endParaRPr lang="en-US" dirty="0"/>
           </a:p>
@@ -2731,7 +2745,7 @@
             <a:fld id="{B61BEF0D-F0BB-DE4B-95CE-6DB70DBA9567}" type="datetimeFigureOut">
               <a:rPr lang="en-US" dirty="0"/>
               <a:pPr/>
-              <a:t>4/25/16</a:t>
+              <a:t>4/26/2016</a:t>
             </a:fld>
             <a:endParaRPr lang="en-US" dirty="0"/>
           </a:p>
@@ -2939,7 +2953,7 @@
             <a:fld id="{B61BEF0D-F0BB-DE4B-95CE-6DB70DBA9567}" type="datetimeFigureOut">
               <a:rPr lang="en-US" dirty="0"/>
               <a:pPr/>
-              <a:t>4/25/16</a:t>
+              <a:t>4/26/2016</a:t>
             </a:fld>
             <a:endParaRPr lang="en-US" dirty="0"/>
           </a:p>
@@ -3167,7 +3181,7 @@
           <a:p>
             <a:fld id="{52647F38-B617-4D2F-AE0A-013F0C4D2C57}" type="datetimeFigureOut">
               <a:rPr lang="en-US" dirty="0"/>
-              <a:t>4/25/16</a:t>
+              <a:t>4/26/2016</a:t>
             </a:fld>
             <a:endParaRPr lang="en-US" dirty="0"/>
           </a:p>
@@ -3411,7 +3425,7 @@
             <a:fld id="{B61BEF0D-F0BB-DE4B-95CE-6DB70DBA9567}" type="datetimeFigureOut">
               <a:rPr lang="en-US" dirty="0"/>
               <a:pPr/>
-              <a:t>4/25/16</a:t>
+              <a:t>4/26/2016</a:t>
             </a:fld>
             <a:endParaRPr lang="en-US" dirty="0"/>
           </a:p>
@@ -3705,7 +3719,7 @@
           <a:p>
             <a:fld id="{05BFA754-D5C3-4E66-96A6-867B257F58DC}" type="datetimeFigureOut">
               <a:rPr lang="en-US" dirty="0"/>
-              <a:t>4/25/16</a:t>
+              <a:t>4/26/2016</a:t>
             </a:fld>
             <a:endParaRPr lang="en-US" dirty="0"/>
           </a:p>
@@ -4095,7 +4109,7 @@
             <a:fld id="{B61BEF0D-F0BB-DE4B-95CE-6DB70DBA9567}" type="datetimeFigureOut">
               <a:rPr lang="en-US" dirty="0"/>
               <a:pPr/>
-              <a:t>4/25/16</a:t>
+              <a:t>4/26/2016</a:t>
             </a:fld>
             <a:endParaRPr lang="en-US" dirty="0"/>
           </a:p>
@@ -4241,7 +4255,7 @@
             <a:fld id="{B61BEF0D-F0BB-DE4B-95CE-6DB70DBA9567}" type="datetimeFigureOut">
               <a:rPr lang="en-US" dirty="0"/>
               <a:pPr/>
-              <a:t>4/25/16</a:t>
+              <a:t>4/26/2016</a:t>
             </a:fld>
             <a:endParaRPr lang="en-US" dirty="0"/>
           </a:p>
@@ -4364,7 +4378,7 @@
             <a:fld id="{B61BEF0D-F0BB-DE4B-95CE-6DB70DBA9567}" type="datetimeFigureOut">
               <a:rPr lang="en-US" dirty="0"/>
               <a:pPr/>
-              <a:t>4/25/16</a:t>
+              <a:t>4/26/2016</a:t>
             </a:fld>
             <a:endParaRPr lang="en-US" dirty="0"/>
           </a:p>
@@ -4616,7 +4630,7 @@
             <a:fld id="{B61BEF0D-F0BB-DE4B-95CE-6DB70DBA9567}" type="datetimeFigureOut">
               <a:rPr lang="en-US" dirty="0"/>
               <a:pPr/>
-              <a:t>4/25/16</a:t>
+              <a:t>4/26/2016</a:t>
             </a:fld>
             <a:endParaRPr lang="en-US" dirty="0"/>
           </a:p>
@@ -4928,7 +4942,7 @@
             <a:fld id="{B61BEF0D-F0BB-DE4B-95CE-6DB70DBA9567}" type="datetimeFigureOut">
               <a:rPr lang="en-US" dirty="0"/>
               <a:pPr/>
-              <a:t>4/25/16</a:t>
+              <a:t>4/26/2016</a:t>
             </a:fld>
             <a:endParaRPr lang="en-US" dirty="0"/>
           </a:p>
@@ -5276,7 +5290,7 @@
             <a:fld id="{B61BEF0D-F0BB-DE4B-95CE-6DB70DBA9567}" type="datetimeFigureOut">
               <a:rPr lang="en-US" dirty="0"/>
               <a:pPr/>
-              <a:t>4/25/16</a:t>
+              <a:t>4/26/2016</a:t>
             </a:fld>
             <a:endParaRPr lang="en-US" dirty="0"/>
           </a:p>
@@ -5908,6 +5922,3086 @@
 </p:sld>
 </file>
 
+<file path=ppt/slides/slide10.xml><?xml version="1.0" encoding="utf-8"?>
+<p:sld xmlns:a="http://schemas.openxmlformats.org/drawingml/2006/main" xmlns:r="http://schemas.openxmlformats.org/officeDocument/2006/relationships" xmlns:p="http://schemas.openxmlformats.org/presentationml/2006/main">
+  <p:cSld>
+    <p:spTree>
+      <p:nvGrpSpPr>
+        <p:cNvPr id="1" name=""/>
+        <p:cNvGrpSpPr/>
+        <p:nvPr/>
+      </p:nvGrpSpPr>
+      <p:grpSpPr>
+        <a:xfrm>
+          <a:off x="0" y="0"/>
+          <a:ext cx="0" cy="0"/>
+          <a:chOff x="0" y="0"/>
+          <a:chExt cx="0" cy="0"/>
+        </a:xfrm>
+      </p:grpSpPr>
+      <p:sp>
+        <p:nvSpPr>
+          <p:cNvPr id="2" name="Title 1"/>
+          <p:cNvSpPr>
+            <a:spLocks noGrp="1"/>
+          </p:cNvSpPr>
+          <p:nvPr>
+            <p:ph type="title"/>
+          </p:nvPr>
+        </p:nvSpPr>
+        <p:spPr/>
+        <p:txBody>
+          <a:bodyPr/>
+          <a:lstStyle/>
+          <a:p>
+            <a:r>
+              <a:rPr lang="en-US" dirty="0" smtClean="0"/>
+              <a:t>Task 2: Operational ALU</a:t>
+            </a:r>
+            <a:endParaRPr lang="en-US" dirty="0"/>
+          </a:p>
+        </p:txBody>
+      </p:sp>
+      <p:sp>
+        <p:nvSpPr>
+          <p:cNvPr id="3" name="Content Placeholder 2"/>
+          <p:cNvSpPr>
+            <a:spLocks noGrp="1"/>
+          </p:cNvSpPr>
+          <p:nvPr>
+            <p:ph idx="1"/>
+          </p:nvPr>
+        </p:nvSpPr>
+        <p:spPr/>
+        <p:txBody>
+          <a:bodyPr/>
+          <a:lstStyle/>
+          <a:p>
+            <a:r>
+              <a:rPr lang="en-US" dirty="0" smtClean="0"/>
+              <a:t>ALU that was developed in Task 1, with the operations discussed previously</a:t>
+            </a:r>
+          </a:p>
+          <a:p>
+            <a:r>
+              <a:rPr lang="en-US" dirty="0" smtClean="0"/>
+              <a:t>Used for mathematical and logical operations in the instruction set given to the processor</a:t>
+            </a:r>
+          </a:p>
+          <a:p>
+            <a:r>
+              <a:rPr lang="en-US" dirty="0" smtClean="0"/>
+              <a:t>Outputs to the Data SRAM for manipulation later, as well as storage of the Fibonacci values</a:t>
+            </a:r>
+          </a:p>
+          <a:p>
+            <a:r>
+              <a:rPr lang="en-US" dirty="0" smtClean="0"/>
+              <a:t>Receives operational code from control unit for operation selection</a:t>
+            </a:r>
+            <a:endParaRPr lang="en-US" dirty="0"/>
+          </a:p>
+        </p:txBody>
+      </p:sp>
+    </p:spTree>
+    <p:extLst>
+      <p:ext uri="{BB962C8B-B14F-4D97-AF65-F5344CB8AC3E}">
+        <p14:creationId xmlns:p14="http://schemas.microsoft.com/office/powerpoint/2010/main" val="3320067274"/>
+      </p:ext>
+    </p:extLst>
+  </p:cSld>
+  <p:clrMapOvr>
+    <a:masterClrMapping/>
+  </p:clrMapOvr>
+  <p:timing>
+    <p:tnLst>
+      <p:par>
+        <p:cTn id="1" dur="indefinite" restart="never" nodeType="tmRoot"/>
+      </p:par>
+    </p:tnLst>
+  </p:timing>
+</p:sld>
+</file>
+
+<file path=ppt/slides/slide11.xml><?xml version="1.0" encoding="utf-8"?>
+<p:sld xmlns:a="http://schemas.openxmlformats.org/drawingml/2006/main" xmlns:r="http://schemas.openxmlformats.org/officeDocument/2006/relationships" xmlns:p="http://schemas.openxmlformats.org/presentationml/2006/main">
+  <p:cSld>
+    <p:spTree>
+      <p:nvGrpSpPr>
+        <p:cNvPr id="1" name=""/>
+        <p:cNvGrpSpPr/>
+        <p:nvPr/>
+      </p:nvGrpSpPr>
+      <p:grpSpPr>
+        <a:xfrm>
+          <a:off x="0" y="0"/>
+          <a:ext cx="0" cy="0"/>
+          <a:chOff x="0" y="0"/>
+          <a:chExt cx="0" cy="0"/>
+        </a:xfrm>
+      </p:grpSpPr>
+      <p:sp>
+        <p:nvSpPr>
+          <p:cNvPr id="2" name="Title 1"/>
+          <p:cNvSpPr>
+            <a:spLocks noGrp="1"/>
+          </p:cNvSpPr>
+          <p:nvPr>
+            <p:ph type="title"/>
+          </p:nvPr>
+        </p:nvSpPr>
+        <p:spPr/>
+        <p:txBody>
+          <a:bodyPr/>
+          <a:lstStyle/>
+          <a:p>
+            <a:r>
+              <a:rPr lang="en-US" dirty="0" smtClean="0"/>
+              <a:t>Task 2: Program Counter</a:t>
+            </a:r>
+            <a:endParaRPr lang="en-US" dirty="0"/>
+          </a:p>
+        </p:txBody>
+      </p:sp>
+      <p:sp>
+        <p:nvSpPr>
+          <p:cNvPr id="3" name="Content Placeholder 2"/>
+          <p:cNvSpPr>
+            <a:spLocks noGrp="1"/>
+          </p:cNvSpPr>
+          <p:nvPr>
+            <p:ph idx="1"/>
+          </p:nvPr>
+        </p:nvSpPr>
+        <p:spPr/>
+        <p:txBody>
+          <a:bodyPr/>
+          <a:lstStyle/>
+          <a:p>
+            <a:r>
+              <a:rPr lang="en-US" dirty="0" smtClean="0"/>
+              <a:t>Keeps track of the instructions that have been executed by the control unit</a:t>
+            </a:r>
+          </a:p>
+          <a:p>
+            <a:r>
+              <a:rPr lang="en-US" dirty="0" smtClean="0"/>
+              <a:t>Increments after each instruction set has been executed</a:t>
+            </a:r>
+          </a:p>
+          <a:p>
+            <a:r>
+              <a:rPr lang="en-US" dirty="0" smtClean="0"/>
+              <a:t>Also controls the looping for the instructions that are stored in the Instructional SRAM</a:t>
+            </a:r>
+          </a:p>
+          <a:p>
+            <a:r>
+              <a:rPr lang="en-US" dirty="0" smtClean="0"/>
+              <a:t>Counts by 4 to represent an integer address change</a:t>
+            </a:r>
+            <a:endParaRPr lang="en-US" dirty="0"/>
+          </a:p>
+        </p:txBody>
+      </p:sp>
+    </p:spTree>
+    <p:extLst>
+      <p:ext uri="{BB962C8B-B14F-4D97-AF65-F5344CB8AC3E}">
+        <p14:creationId xmlns:p14="http://schemas.microsoft.com/office/powerpoint/2010/main" val="4117228778"/>
+      </p:ext>
+    </p:extLst>
+  </p:cSld>
+  <p:clrMapOvr>
+    <a:masterClrMapping/>
+  </p:clrMapOvr>
+  <p:timing>
+    <p:tnLst>
+      <p:par>
+        <p:cTn id="1" dur="indefinite" restart="never" nodeType="tmRoot"/>
+      </p:par>
+    </p:tnLst>
+  </p:timing>
+</p:sld>
+</file>
+
+<file path=ppt/slides/slide12.xml><?xml version="1.0" encoding="utf-8"?>
+<p:sld xmlns:a="http://schemas.openxmlformats.org/drawingml/2006/main" xmlns:r="http://schemas.openxmlformats.org/officeDocument/2006/relationships" xmlns:p="http://schemas.openxmlformats.org/presentationml/2006/main">
+  <p:cSld>
+    <p:spTree>
+      <p:nvGrpSpPr>
+        <p:cNvPr id="1" name=""/>
+        <p:cNvGrpSpPr/>
+        <p:nvPr/>
+      </p:nvGrpSpPr>
+      <p:grpSpPr>
+        <a:xfrm>
+          <a:off x="0" y="0"/>
+          <a:ext cx="0" cy="0"/>
+          <a:chOff x="0" y="0"/>
+          <a:chExt cx="0" cy="0"/>
+        </a:xfrm>
+      </p:grpSpPr>
+      <p:sp>
+        <p:nvSpPr>
+          <p:cNvPr id="2" name="Title 1"/>
+          <p:cNvSpPr>
+            <a:spLocks noGrp="1"/>
+          </p:cNvSpPr>
+          <p:nvPr>
+            <p:ph type="title"/>
+          </p:nvPr>
+        </p:nvSpPr>
+        <p:spPr/>
+        <p:txBody>
+          <a:bodyPr/>
+          <a:lstStyle/>
+          <a:p>
+            <a:r>
+              <a:rPr lang="en-US" dirty="0" smtClean="0"/>
+              <a:t>Task 2: Control Unit</a:t>
+            </a:r>
+            <a:endParaRPr lang="en-US" dirty="0"/>
+          </a:p>
+        </p:txBody>
+      </p:sp>
+      <p:sp>
+        <p:nvSpPr>
+          <p:cNvPr id="3" name="Content Placeholder 2"/>
+          <p:cNvSpPr>
+            <a:spLocks noGrp="1"/>
+          </p:cNvSpPr>
+          <p:nvPr>
+            <p:ph idx="1"/>
+          </p:nvPr>
+        </p:nvSpPr>
+        <p:spPr/>
+        <p:txBody>
+          <a:bodyPr/>
+          <a:lstStyle/>
+          <a:p>
+            <a:r>
+              <a:rPr lang="en-US" dirty="0" smtClean="0"/>
+              <a:t>The brains of the processor that controls everything</a:t>
+            </a:r>
+          </a:p>
+          <a:p>
+            <a:r>
+              <a:rPr lang="en-US" dirty="0" smtClean="0"/>
+              <a:t>Reads the Instructional SRAM, and performs operations based on the codes that are in the SRAM</a:t>
+            </a:r>
+          </a:p>
+          <a:p>
+            <a:r>
+              <a:rPr lang="en-US" dirty="0" smtClean="0"/>
+              <a:t>Tells the ALU to write values to the Data SRAM for future modification</a:t>
+            </a:r>
+          </a:p>
+          <a:p>
+            <a:r>
+              <a:rPr lang="en-US" dirty="0" smtClean="0"/>
+              <a:t>Tells the user when it is done processing a command set</a:t>
+            </a:r>
+          </a:p>
+        </p:txBody>
+      </p:sp>
+    </p:spTree>
+    <p:extLst>
+      <p:ext uri="{BB962C8B-B14F-4D97-AF65-F5344CB8AC3E}">
+        <p14:creationId xmlns:p14="http://schemas.microsoft.com/office/powerpoint/2010/main" val="1080985857"/>
+      </p:ext>
+    </p:extLst>
+  </p:cSld>
+  <p:clrMapOvr>
+    <a:masterClrMapping/>
+  </p:clrMapOvr>
+  <p:timing>
+    <p:tnLst>
+      <p:par>
+        <p:cTn id="1" dur="indefinite" restart="never" nodeType="tmRoot"/>
+      </p:par>
+    </p:tnLst>
+  </p:timing>
+</p:sld>
+</file>
+
+<file path=ppt/slides/slide13.xml><?xml version="1.0" encoding="utf-8"?>
+<p:sld xmlns:a="http://schemas.openxmlformats.org/drawingml/2006/main" xmlns:r="http://schemas.openxmlformats.org/officeDocument/2006/relationships" xmlns:p="http://schemas.openxmlformats.org/presentationml/2006/main">
+  <p:cSld>
+    <p:spTree>
+      <p:nvGrpSpPr>
+        <p:cNvPr id="1" name=""/>
+        <p:cNvGrpSpPr/>
+        <p:nvPr/>
+      </p:nvGrpSpPr>
+      <p:grpSpPr>
+        <a:xfrm>
+          <a:off x="0" y="0"/>
+          <a:ext cx="0" cy="0"/>
+          <a:chOff x="0" y="0"/>
+          <a:chExt cx="0" cy="0"/>
+        </a:xfrm>
+      </p:grpSpPr>
+    </p:spTree>
+    <p:extLst>
+      <p:ext uri="{BB962C8B-B14F-4D97-AF65-F5344CB8AC3E}">
+        <p14:creationId xmlns:p14="http://schemas.microsoft.com/office/powerpoint/2010/main" val="2558387009"/>
+      </p:ext>
+    </p:extLst>
+  </p:cSld>
+  <p:clrMapOvr>
+    <a:masterClrMapping/>
+  </p:clrMapOvr>
+  <p:timing>
+    <p:tnLst>
+      <p:par>
+        <p:cTn id="1" dur="indefinite" restart="never" nodeType="tmRoot"/>
+      </p:par>
+    </p:tnLst>
+  </p:timing>
+</p:sld>
+</file>
+
+<file path=ppt/slides/slide14.xml><?xml version="1.0" encoding="utf-8"?>
+<p:sld xmlns:a="http://schemas.openxmlformats.org/drawingml/2006/main" xmlns:r="http://schemas.openxmlformats.org/officeDocument/2006/relationships" xmlns:p="http://schemas.openxmlformats.org/presentationml/2006/main">
+  <p:cSld>
+    <p:spTree>
+      <p:nvGrpSpPr>
+        <p:cNvPr id="1" name=""/>
+        <p:cNvGrpSpPr/>
+        <p:nvPr/>
+      </p:nvGrpSpPr>
+      <p:grpSpPr>
+        <a:xfrm>
+          <a:off x="0" y="0"/>
+          <a:ext cx="0" cy="0"/>
+          <a:chOff x="0" y="0"/>
+          <a:chExt cx="0" cy="0"/>
+        </a:xfrm>
+      </p:grpSpPr>
+      <p:sp>
+        <p:nvSpPr>
+          <p:cNvPr id="2" name="Title 1"/>
+          <p:cNvSpPr>
+            <a:spLocks noGrp="1"/>
+          </p:cNvSpPr>
+          <p:nvPr>
+            <p:ph type="title"/>
+          </p:nvPr>
+        </p:nvSpPr>
+        <p:spPr/>
+        <p:txBody>
+          <a:bodyPr/>
+          <a:lstStyle/>
+          <a:p>
+            <a:r>
+              <a:rPr lang="en-US" dirty="0" smtClean="0"/>
+              <a:t>Task 2: Results</a:t>
+            </a:r>
+            <a:endParaRPr lang="en-US" dirty="0"/>
+          </a:p>
+        </p:txBody>
+      </p:sp>
+      <p:sp>
+        <p:nvSpPr>
+          <p:cNvPr id="3" name="Content Placeholder 2"/>
+          <p:cNvSpPr>
+            <a:spLocks noGrp="1"/>
+          </p:cNvSpPr>
+          <p:nvPr>
+            <p:ph idx="1"/>
+          </p:nvPr>
+        </p:nvSpPr>
+        <p:spPr/>
+        <p:txBody>
+          <a:bodyPr/>
+          <a:lstStyle/>
+          <a:p>
+            <a:endParaRPr lang="en-US" dirty="0"/>
+          </a:p>
+        </p:txBody>
+      </p:sp>
+    </p:spTree>
+    <p:extLst>
+      <p:ext uri="{BB962C8B-B14F-4D97-AF65-F5344CB8AC3E}">
+        <p14:creationId xmlns:p14="http://schemas.microsoft.com/office/powerpoint/2010/main" val="757065275"/>
+      </p:ext>
+    </p:extLst>
+  </p:cSld>
+  <p:clrMapOvr>
+    <a:masterClrMapping/>
+  </p:clrMapOvr>
+  <p:timing>
+    <p:tnLst>
+      <p:par>
+        <p:cTn id="1" dur="indefinite" restart="never" nodeType="tmRoot"/>
+      </p:par>
+    </p:tnLst>
+  </p:timing>
+</p:sld>
+</file>
+
+<file path=ppt/slides/slide15.xml><?xml version="1.0" encoding="utf-8"?>
+<p:sld xmlns:a="http://schemas.openxmlformats.org/drawingml/2006/main" xmlns:r="http://schemas.openxmlformats.org/officeDocument/2006/relationships" xmlns:p="http://schemas.openxmlformats.org/presentationml/2006/main">
+  <p:cSld>
+    <p:spTree>
+      <p:nvGrpSpPr>
+        <p:cNvPr id="1" name=""/>
+        <p:cNvGrpSpPr/>
+        <p:nvPr/>
+      </p:nvGrpSpPr>
+      <p:grpSpPr>
+        <a:xfrm>
+          <a:off x="0" y="0"/>
+          <a:ext cx="0" cy="0"/>
+          <a:chOff x="0" y="0"/>
+          <a:chExt cx="0" cy="0"/>
+        </a:xfrm>
+      </p:grpSpPr>
+      <p:sp>
+        <p:nvSpPr>
+          <p:cNvPr id="2" name="Title 1"/>
+          <p:cNvSpPr>
+            <a:spLocks noGrp="1"/>
+          </p:cNvSpPr>
+          <p:nvPr>
+            <p:ph type="title"/>
+          </p:nvPr>
+        </p:nvSpPr>
+        <p:spPr/>
+        <p:txBody>
+          <a:bodyPr/>
+          <a:lstStyle/>
+          <a:p>
+            <a:endParaRPr lang="en-US"/>
+          </a:p>
+        </p:txBody>
+      </p:sp>
+      <p:sp>
+        <p:nvSpPr>
+          <p:cNvPr id="3" name="Content Placeholder 2"/>
+          <p:cNvSpPr>
+            <a:spLocks noGrp="1"/>
+          </p:cNvSpPr>
+          <p:nvPr>
+            <p:ph idx="1"/>
+          </p:nvPr>
+        </p:nvSpPr>
+        <p:spPr/>
+        <p:txBody>
+          <a:bodyPr/>
+          <a:lstStyle/>
+          <a:p>
+            <a:endParaRPr lang="en-US"/>
+          </a:p>
+        </p:txBody>
+      </p:sp>
+    </p:spTree>
+    <p:extLst>
+      <p:ext uri="{BB962C8B-B14F-4D97-AF65-F5344CB8AC3E}">
+        <p14:creationId xmlns:p14="http://schemas.microsoft.com/office/powerpoint/2010/main" val="3279880906"/>
+      </p:ext>
+    </p:extLst>
+  </p:cSld>
+  <p:clrMapOvr>
+    <a:masterClrMapping/>
+  </p:clrMapOvr>
+  <p:timing>
+    <p:tnLst>
+      <p:par>
+        <p:cTn id="1" dur="indefinite" restart="never" nodeType="tmRoot"/>
+      </p:par>
+    </p:tnLst>
+  </p:timing>
+</p:sld>
+</file>
+
+<file path=ppt/slides/slide16.xml><?xml version="1.0" encoding="utf-8"?>
+<p:sld xmlns:a="http://schemas.openxmlformats.org/drawingml/2006/main" xmlns:r="http://schemas.openxmlformats.org/officeDocument/2006/relationships" xmlns:p="http://schemas.openxmlformats.org/presentationml/2006/main">
+  <p:cSld>
+    <p:spTree>
+      <p:nvGrpSpPr>
+        <p:cNvPr id="1" name=""/>
+        <p:cNvGrpSpPr/>
+        <p:nvPr/>
+      </p:nvGrpSpPr>
+      <p:grpSpPr>
+        <a:xfrm>
+          <a:off x="0" y="0"/>
+          <a:ext cx="0" cy="0"/>
+          <a:chOff x="0" y="0"/>
+          <a:chExt cx="0" cy="0"/>
+        </a:xfrm>
+      </p:grpSpPr>
+      <p:sp>
+        <p:nvSpPr>
+          <p:cNvPr id="2" name="Title 1"/>
+          <p:cNvSpPr>
+            <a:spLocks noGrp="1"/>
+          </p:cNvSpPr>
+          <p:nvPr>
+            <p:ph type="title"/>
+          </p:nvPr>
+        </p:nvSpPr>
+        <p:spPr/>
+        <p:txBody>
+          <a:bodyPr/>
+          <a:lstStyle/>
+          <a:p>
+            <a:r>
+              <a:rPr lang="en-US" dirty="0" smtClean="0"/>
+              <a:t>Task 3: Fibonacci Sequence</a:t>
+            </a:r>
+            <a:endParaRPr lang="en-US" dirty="0"/>
+          </a:p>
+        </p:txBody>
+      </p:sp>
+      <p:sp>
+        <p:nvSpPr>
+          <p:cNvPr id="3" name="Content Placeholder 2"/>
+          <p:cNvSpPr>
+            <a:spLocks noGrp="1"/>
+          </p:cNvSpPr>
+          <p:nvPr>
+            <p:ph idx="1"/>
+          </p:nvPr>
+        </p:nvSpPr>
+        <p:spPr/>
+        <p:txBody>
+          <a:bodyPr/>
+          <a:lstStyle/>
+          <a:p>
+            <a:r>
+              <a:rPr lang="en-US" dirty="0" smtClean="0"/>
+              <a:t>Tasked with creating machine code to represent the process of evaluating a Fibonacci Sequence for 10 cycles</a:t>
+            </a:r>
+          </a:p>
+          <a:p>
+            <a:r>
+              <a:rPr lang="en-US" dirty="0" smtClean="0"/>
+              <a:t>Wrote machine code for a </a:t>
+            </a:r>
+            <a:r>
+              <a:rPr lang="en-US" dirty="0"/>
+              <a:t>F</a:t>
+            </a:r>
+            <a:r>
+              <a:rPr lang="en-US" dirty="0" smtClean="0"/>
+              <a:t>ibonacci sequence solver, generated from MIPS code, generated by C++ code</a:t>
+            </a:r>
+          </a:p>
+          <a:p>
+            <a:r>
+              <a:rPr lang="en-US" dirty="0" smtClean="0"/>
+              <a:t>Instructional SRAM stores the 8 – bit hex machine codes</a:t>
+            </a:r>
+          </a:p>
+          <a:p>
+            <a:r>
+              <a:rPr lang="en-US" dirty="0" smtClean="0"/>
+              <a:t>Converts hex codes to binary, then sends it to the control unit</a:t>
+            </a:r>
+            <a:endParaRPr lang="en-US" dirty="0"/>
+          </a:p>
+        </p:txBody>
+      </p:sp>
+    </p:spTree>
+    <p:extLst>
+      <p:ext uri="{BB962C8B-B14F-4D97-AF65-F5344CB8AC3E}">
+        <p14:creationId xmlns:p14="http://schemas.microsoft.com/office/powerpoint/2010/main" val="4076546098"/>
+      </p:ext>
+    </p:extLst>
+  </p:cSld>
+  <p:clrMapOvr>
+    <a:masterClrMapping/>
+  </p:clrMapOvr>
+  <p:timing>
+    <p:tnLst>
+      <p:par>
+        <p:cTn id="1" dur="indefinite" restart="never" nodeType="tmRoot"/>
+      </p:par>
+    </p:tnLst>
+  </p:timing>
+</p:sld>
+</file>
+
+<file path=ppt/slides/slide17.xml><?xml version="1.0" encoding="utf-8"?>
+<p:sld xmlns:a="http://schemas.openxmlformats.org/drawingml/2006/main" xmlns:r="http://schemas.openxmlformats.org/officeDocument/2006/relationships" xmlns:p="http://schemas.openxmlformats.org/presentationml/2006/main">
+  <p:cSld>
+    <p:spTree>
+      <p:nvGrpSpPr>
+        <p:cNvPr id="1" name=""/>
+        <p:cNvGrpSpPr/>
+        <p:nvPr/>
+      </p:nvGrpSpPr>
+      <p:grpSpPr>
+        <a:xfrm>
+          <a:off x="0" y="0"/>
+          <a:ext cx="0" cy="0"/>
+          <a:chOff x="0" y="0"/>
+          <a:chExt cx="0" cy="0"/>
+        </a:xfrm>
+      </p:grpSpPr>
+      <p:pic>
+        <p:nvPicPr>
+          <p:cNvPr id="1026" name="Picture 2"/>
+          <p:cNvPicPr>
+            <a:picLocks noChangeAspect="1" noChangeArrowheads="1"/>
+          </p:cNvPicPr>
+          <p:nvPr/>
+        </p:nvPicPr>
+        <p:blipFill>
+          <a:blip r:embed="rId2">
+            <a:extLst>
+              <a:ext uri="{28A0092B-C50C-407E-A947-70E740481C1C}">
+                <a14:useLocalDpi xmlns:a14="http://schemas.microsoft.com/office/drawing/2010/main" val="0"/>
+              </a:ext>
+            </a:extLst>
+          </a:blip>
+          <a:srcRect/>
+          <a:stretch>
+            <a:fillRect/>
+          </a:stretch>
+        </p:blipFill>
+        <p:spPr bwMode="auto">
+          <a:xfrm>
+            <a:off x="1092090" y="698446"/>
+            <a:ext cx="1200150" cy="4867275"/>
+          </a:xfrm>
+          <a:prstGeom prst="rect">
+            <a:avLst/>
+          </a:prstGeom>
+          <a:noFill/>
+          <a:ln>
+            <a:noFill/>
+          </a:ln>
+          <a:effectLst/>
+          <a:extLst>
+            <a:ext uri="{909E8E84-426E-40DD-AFC4-6F175D3DCCD1}">
+              <a14:hiddenFill xmlns:a14="http://schemas.microsoft.com/office/drawing/2010/main">
+                <a:solidFill>
+                  <a:schemeClr val="accent1"/>
+                </a:solidFill>
+              </a14:hiddenFill>
+            </a:ext>
+            <a:ext uri="{91240B29-F687-4F45-9708-019B960494DF}">
+              <a14:hiddenLine xmlns:a14="http://schemas.microsoft.com/office/drawing/2010/main" w="9525">
+                <a:solidFill>
+                  <a:schemeClr val="tx1"/>
+                </a:solidFill>
+                <a:miter lim="800000"/>
+                <a:headEnd/>
+                <a:tailEnd/>
+              </a14:hiddenLine>
+            </a:ext>
+            <a:ext uri="{AF507438-7753-43E0-B8FC-AC1667EBCBE1}">
+              <a14:hiddenEffects xmlns:a14="http://schemas.microsoft.com/office/drawing/2010/main">
+                <a:effectLst>
+                  <a:outerShdw dist="35921" dir="2700000" algn="ctr" rotWithShape="0">
+                    <a:schemeClr val="bg2"/>
+                  </a:outerShdw>
+                </a:effectLst>
+              </a14:hiddenEffects>
+            </a:ext>
+          </a:extLst>
+        </p:spPr>
+      </p:pic>
+      <p:pic>
+        <p:nvPicPr>
+          <p:cNvPr id="1027" name="Picture 3"/>
+          <p:cNvPicPr>
+            <a:picLocks noChangeAspect="1" noChangeArrowheads="1"/>
+          </p:cNvPicPr>
+          <p:nvPr/>
+        </p:nvPicPr>
+        <p:blipFill>
+          <a:blip r:embed="rId3">
+            <a:extLst>
+              <a:ext uri="{28A0092B-C50C-407E-A947-70E740481C1C}">
+                <a14:useLocalDpi xmlns:a14="http://schemas.microsoft.com/office/drawing/2010/main" val="0"/>
+              </a:ext>
+            </a:extLst>
+          </a:blip>
+          <a:srcRect/>
+          <a:stretch>
+            <a:fillRect/>
+          </a:stretch>
+        </p:blipFill>
+        <p:spPr bwMode="auto">
+          <a:xfrm>
+            <a:off x="2292240" y="698446"/>
+            <a:ext cx="1276350" cy="4867275"/>
+          </a:xfrm>
+          <a:prstGeom prst="rect">
+            <a:avLst/>
+          </a:prstGeom>
+          <a:noFill/>
+          <a:ln>
+            <a:noFill/>
+          </a:ln>
+          <a:effectLst/>
+          <a:extLst>
+            <a:ext uri="{909E8E84-426E-40DD-AFC4-6F175D3DCCD1}">
+              <a14:hiddenFill xmlns:a14="http://schemas.microsoft.com/office/drawing/2010/main">
+                <a:solidFill>
+                  <a:schemeClr val="accent1"/>
+                </a:solidFill>
+              </a14:hiddenFill>
+            </a:ext>
+            <a:ext uri="{91240B29-F687-4F45-9708-019B960494DF}">
+              <a14:hiddenLine xmlns:a14="http://schemas.microsoft.com/office/drawing/2010/main" w="9525">
+                <a:solidFill>
+                  <a:schemeClr val="tx1"/>
+                </a:solidFill>
+                <a:miter lim="800000"/>
+                <a:headEnd/>
+                <a:tailEnd/>
+              </a14:hiddenLine>
+            </a:ext>
+            <a:ext uri="{AF507438-7753-43E0-B8FC-AC1667EBCBE1}">
+              <a14:hiddenEffects xmlns:a14="http://schemas.microsoft.com/office/drawing/2010/main">
+                <a:effectLst>
+                  <a:outerShdw dist="35921" dir="2700000" algn="ctr" rotWithShape="0">
+                    <a:schemeClr val="bg2"/>
+                  </a:outerShdw>
+                </a:effectLst>
+              </a14:hiddenEffects>
+            </a:ext>
+          </a:extLst>
+        </p:spPr>
+      </p:pic>
+      <p:pic>
+        <p:nvPicPr>
+          <p:cNvPr id="1028" name="Picture 4"/>
+          <p:cNvPicPr>
+            <a:picLocks noChangeAspect="1" noChangeArrowheads="1"/>
+          </p:cNvPicPr>
+          <p:nvPr/>
+        </p:nvPicPr>
+        <p:blipFill>
+          <a:blip r:embed="rId4">
+            <a:extLst>
+              <a:ext uri="{28A0092B-C50C-407E-A947-70E740481C1C}">
+                <a14:useLocalDpi xmlns:a14="http://schemas.microsoft.com/office/drawing/2010/main" val="0"/>
+              </a:ext>
+            </a:extLst>
+          </a:blip>
+          <a:srcRect/>
+          <a:stretch>
+            <a:fillRect/>
+          </a:stretch>
+        </p:blipFill>
+        <p:spPr bwMode="auto">
+          <a:xfrm>
+            <a:off x="3568590" y="698446"/>
+            <a:ext cx="1247775" cy="1845057"/>
+          </a:xfrm>
+          <a:prstGeom prst="rect">
+            <a:avLst/>
+          </a:prstGeom>
+          <a:noFill/>
+          <a:ln>
+            <a:noFill/>
+          </a:ln>
+          <a:effectLst/>
+          <a:extLst>
+            <a:ext uri="{909E8E84-426E-40DD-AFC4-6F175D3DCCD1}">
+              <a14:hiddenFill xmlns:a14="http://schemas.microsoft.com/office/drawing/2010/main">
+                <a:solidFill>
+                  <a:schemeClr val="accent1"/>
+                </a:solidFill>
+              </a14:hiddenFill>
+            </a:ext>
+            <a:ext uri="{91240B29-F687-4F45-9708-019B960494DF}">
+              <a14:hiddenLine xmlns:a14="http://schemas.microsoft.com/office/drawing/2010/main" w="9525">
+                <a:solidFill>
+                  <a:schemeClr val="tx1"/>
+                </a:solidFill>
+                <a:miter lim="800000"/>
+                <a:headEnd/>
+                <a:tailEnd/>
+              </a14:hiddenLine>
+            </a:ext>
+            <a:ext uri="{AF507438-7753-43E0-B8FC-AC1667EBCBE1}">
+              <a14:hiddenEffects xmlns:a14="http://schemas.microsoft.com/office/drawing/2010/main">
+                <a:effectLst>
+                  <a:outerShdw dist="35921" dir="2700000" algn="ctr" rotWithShape="0">
+                    <a:schemeClr val="bg2"/>
+                  </a:outerShdw>
+                </a:effectLst>
+              </a14:hiddenEffects>
+            </a:ext>
+          </a:extLst>
+        </p:spPr>
+      </p:pic>
+      <p:graphicFrame>
+        <p:nvGraphicFramePr>
+          <p:cNvPr id="4" name="Table 3"/>
+          <p:cNvGraphicFramePr>
+            <a:graphicFrameLocks noGrp="1"/>
+          </p:cNvGraphicFramePr>
+          <p:nvPr>
+            <p:extLst>
+              <p:ext uri="{D42A27DB-BD31-4B8C-83A1-F6EECF244321}">
+                <p14:modId xmlns:p14="http://schemas.microsoft.com/office/powerpoint/2010/main" val="1195757902"/>
+              </p:ext>
+            </p:extLst>
+          </p:nvPr>
+        </p:nvGraphicFramePr>
+        <p:xfrm>
+          <a:off x="4816365" y="3794565"/>
+          <a:ext cx="4978400" cy="1905000"/>
+        </p:xfrm>
+        <a:graphic>
+          <a:graphicData uri="http://schemas.openxmlformats.org/drawingml/2006/table">
+            <a:tbl>
+              <a:tblPr>
+                <a:tableStyleId>{5C22544A-7EE6-4342-B048-85BDC9FD1C3A}</a:tableStyleId>
+              </a:tblPr>
+              <a:tblGrid>
+                <a:gridCol w="736600"/>
+                <a:gridCol w="1193800"/>
+                <a:gridCol w="3048000"/>
+              </a:tblGrid>
+              <a:tr h="190500">
+                <a:tc>
+                  <a:txBody>
+                    <a:bodyPr/>
+                    <a:lstStyle/>
+                    <a:p>
+                      <a:pPr algn="ctr" fontAlgn="b"/>
+                      <a:r>
+                        <a:rPr lang="en-US" sz="1100" u="none" strike="noStrike" dirty="0">
+                          <a:effectLst/>
+                        </a:rPr>
+                        <a:t>Address</a:t>
+                      </a:r>
+                      <a:endParaRPr lang="en-US" sz="1100" b="1" i="0" u="none" strike="noStrike" dirty="0">
+                        <a:solidFill>
+                          <a:srgbClr val="000000"/>
+                        </a:solidFill>
+                        <a:effectLst/>
+                        <a:latin typeface="Calibri"/>
+                      </a:endParaRPr>
+                    </a:p>
+                  </a:txBody>
+                  <a:tcPr marL="9525" marR="9525" marT="9525" marB="0" anchor="b"/>
+                </a:tc>
+                <a:tc>
+                  <a:txBody>
+                    <a:bodyPr/>
+                    <a:lstStyle/>
+                    <a:p>
+                      <a:pPr algn="ctr" fontAlgn="b"/>
+                      <a:r>
+                        <a:rPr lang="en-US" sz="1100" u="none" strike="noStrike">
+                          <a:effectLst/>
+                        </a:rPr>
+                        <a:t>Instruction</a:t>
+                      </a:r>
+                      <a:endParaRPr lang="en-US" sz="1100" b="1" i="0" u="none" strike="noStrike">
+                        <a:solidFill>
+                          <a:srgbClr val="000000"/>
+                        </a:solidFill>
+                        <a:effectLst/>
+                        <a:latin typeface="Calibri"/>
+                      </a:endParaRPr>
+                    </a:p>
+                  </a:txBody>
+                  <a:tcPr marL="9525" marR="9525" marT="9525" marB="0" anchor="b"/>
+                </a:tc>
+                <a:tc>
+                  <a:txBody>
+                    <a:bodyPr/>
+                    <a:lstStyle/>
+                    <a:p>
+                      <a:pPr algn="ctr" fontAlgn="b"/>
+                      <a:r>
+                        <a:rPr lang="en-US" sz="1100" u="none" strike="noStrike" dirty="0">
+                          <a:effectLst/>
+                        </a:rPr>
+                        <a:t>Comment</a:t>
+                      </a:r>
+                      <a:endParaRPr lang="en-US" sz="1100" b="1" i="0" u="none" strike="noStrike" dirty="0">
+                        <a:solidFill>
+                          <a:srgbClr val="000000"/>
+                        </a:solidFill>
+                        <a:effectLst/>
+                        <a:latin typeface="Calibri"/>
+                      </a:endParaRPr>
+                    </a:p>
+                  </a:txBody>
+                  <a:tcPr marL="9525" marR="9525" marT="9525" marB="0" anchor="b"/>
+                </a:tc>
+              </a:tr>
+              <a:tr h="190500">
+                <a:tc>
+                  <a:txBody>
+                    <a:bodyPr/>
+                    <a:lstStyle/>
+                    <a:p>
+                      <a:pPr algn="l" fontAlgn="b"/>
+                      <a:r>
+                        <a:rPr lang="en-US" sz="1100" u="none" strike="noStrike">
+                          <a:effectLst/>
+                        </a:rPr>
+                        <a:t>0x00000000</a:t>
+                      </a:r>
+                      <a:endParaRPr lang="en-US" sz="1100" b="0" i="0" u="none" strike="noStrike">
+                        <a:solidFill>
+                          <a:srgbClr val="000000"/>
+                        </a:solidFill>
+                        <a:effectLst/>
+                        <a:latin typeface="Calibri"/>
+                      </a:endParaRPr>
+                    </a:p>
+                  </a:txBody>
+                  <a:tcPr marL="9525" marR="9525" marT="9525" marB="0" anchor="b"/>
+                </a:tc>
+                <a:tc>
+                  <a:txBody>
+                    <a:bodyPr/>
+                    <a:lstStyle/>
+                    <a:p>
+                      <a:pPr algn="l" fontAlgn="b"/>
+                      <a:r>
+                        <a:rPr lang="en-US" sz="1100" u="none" strike="noStrike">
+                          <a:effectLst/>
+                        </a:rPr>
+                        <a:t>Zero Register</a:t>
+                      </a:r>
+                      <a:endParaRPr lang="en-US" sz="1100" b="0" i="0" u="none" strike="noStrike">
+                        <a:solidFill>
+                          <a:srgbClr val="000000"/>
+                        </a:solidFill>
+                        <a:effectLst/>
+                        <a:latin typeface="Calibri"/>
+                      </a:endParaRPr>
+                    </a:p>
+                  </a:txBody>
+                  <a:tcPr marL="9525" marR="9525" marT="9525" marB="0" anchor="b"/>
+                </a:tc>
+                <a:tc>
+                  <a:txBody>
+                    <a:bodyPr/>
+                    <a:lstStyle/>
+                    <a:p>
+                      <a:pPr algn="l" fontAlgn="b"/>
+                      <a:r>
+                        <a:rPr lang="en-US" sz="1100" u="none" strike="noStrike">
+                          <a:effectLst/>
+                        </a:rPr>
+                        <a:t>Zero out registers</a:t>
+                      </a:r>
+                      <a:endParaRPr lang="en-US" sz="1100" b="0" i="0" u="none" strike="noStrike">
+                        <a:solidFill>
+                          <a:srgbClr val="000000"/>
+                        </a:solidFill>
+                        <a:effectLst/>
+                        <a:latin typeface="Calibri"/>
+                      </a:endParaRPr>
+                    </a:p>
+                  </a:txBody>
+                  <a:tcPr marL="9525" marR="9525" marT="9525" marB="0" anchor="b"/>
+                </a:tc>
+              </a:tr>
+              <a:tr h="190500">
+                <a:tc>
+                  <a:txBody>
+                    <a:bodyPr/>
+                    <a:lstStyle/>
+                    <a:p>
+                      <a:pPr algn="l" fontAlgn="b"/>
+                      <a:r>
+                        <a:rPr lang="en-US" sz="1100" u="none" strike="noStrike">
+                          <a:effectLst/>
+                        </a:rPr>
+                        <a:t>0x00000004</a:t>
+                      </a:r>
+                      <a:endParaRPr lang="en-US" sz="1100" b="0" i="0" u="none" strike="noStrike">
+                        <a:solidFill>
+                          <a:srgbClr val="000000"/>
+                        </a:solidFill>
+                        <a:effectLst/>
+                        <a:latin typeface="Calibri"/>
+                      </a:endParaRPr>
+                    </a:p>
+                  </a:txBody>
+                  <a:tcPr marL="9525" marR="9525" marT="9525" marB="0" anchor="b"/>
+                </a:tc>
+                <a:tc>
+                  <a:txBody>
+                    <a:bodyPr/>
+                    <a:lstStyle/>
+                    <a:p>
+                      <a:pPr algn="l" fontAlgn="b"/>
+                      <a:r>
+                        <a:rPr lang="en-US" sz="1100" u="none" strike="noStrike">
+                          <a:effectLst/>
+                        </a:rPr>
+                        <a:t>End Instruction Set</a:t>
+                      </a:r>
+                      <a:endParaRPr lang="en-US" sz="1100" b="0" i="0" u="none" strike="noStrike">
+                        <a:solidFill>
+                          <a:srgbClr val="000000"/>
+                        </a:solidFill>
+                        <a:effectLst/>
+                        <a:latin typeface="Calibri"/>
+                      </a:endParaRPr>
+                    </a:p>
+                  </a:txBody>
+                  <a:tcPr marL="9525" marR="9525" marT="9525" marB="0" anchor="b"/>
+                </a:tc>
+                <a:tc>
+                  <a:txBody>
+                    <a:bodyPr/>
+                    <a:lstStyle/>
+                    <a:p>
+                      <a:pPr algn="l" fontAlgn="b"/>
+                      <a:endParaRPr lang="en-US" sz="1100" b="0" i="0" u="none" strike="noStrike">
+                        <a:solidFill>
+                          <a:srgbClr val="000000"/>
+                        </a:solidFill>
+                        <a:effectLst/>
+                        <a:latin typeface="Calibri"/>
+                      </a:endParaRPr>
+                    </a:p>
+                  </a:txBody>
+                  <a:tcPr marL="9525" marR="9525" marT="9525" marB="0" anchor="b"/>
+                </a:tc>
+              </a:tr>
+              <a:tr h="190500">
+                <a:tc>
+                  <a:txBody>
+                    <a:bodyPr/>
+                    <a:lstStyle/>
+                    <a:p>
+                      <a:pPr algn="l" fontAlgn="b"/>
+                      <a:r>
+                        <a:rPr lang="en-US" sz="1100" u="none" strike="noStrike">
+                          <a:effectLst/>
+                        </a:rPr>
+                        <a:t>0x00000008</a:t>
+                      </a:r>
+                      <a:endParaRPr lang="en-US" sz="1100" b="0" i="0" u="none" strike="noStrike">
+                        <a:solidFill>
+                          <a:srgbClr val="000000"/>
+                        </a:solidFill>
+                        <a:effectLst/>
+                        <a:latin typeface="Calibri"/>
+                      </a:endParaRPr>
+                    </a:p>
+                  </a:txBody>
+                  <a:tcPr marL="9525" marR="9525" marT="9525" marB="0" anchor="b"/>
+                </a:tc>
+                <a:tc>
+                  <a:txBody>
+                    <a:bodyPr/>
+                    <a:lstStyle/>
+                    <a:p>
+                      <a:pPr algn="l" fontAlgn="b"/>
+                      <a:r>
+                        <a:rPr lang="en-US" sz="1100" u="none" strike="noStrike">
+                          <a:effectLst/>
+                        </a:rPr>
+                        <a:t>addi</a:t>
+                      </a:r>
+                      <a:endParaRPr lang="en-US" sz="1100" b="0" i="0" u="none" strike="noStrike">
+                        <a:solidFill>
+                          <a:srgbClr val="000000"/>
+                        </a:solidFill>
+                        <a:effectLst/>
+                        <a:latin typeface="Calibri"/>
+                      </a:endParaRPr>
+                    </a:p>
+                  </a:txBody>
+                  <a:tcPr marL="9525" marR="9525" marT="9525" marB="0" anchor="b"/>
+                </a:tc>
+                <a:tc>
+                  <a:txBody>
+                    <a:bodyPr/>
+                    <a:lstStyle/>
+                    <a:p>
+                      <a:pPr algn="l" fontAlgn="b"/>
+                      <a:r>
+                        <a:rPr lang="en-US" sz="1100" u="none" strike="noStrike">
+                          <a:effectLst/>
+                        </a:rPr>
+                        <a:t>Add Integer and register to first register</a:t>
+                      </a:r>
+                      <a:endParaRPr lang="en-US" sz="1100" b="0" i="0" u="none" strike="noStrike">
+                        <a:solidFill>
+                          <a:srgbClr val="000000"/>
+                        </a:solidFill>
+                        <a:effectLst/>
+                        <a:latin typeface="Calibri"/>
+                      </a:endParaRPr>
+                    </a:p>
+                  </a:txBody>
+                  <a:tcPr marL="9525" marR="9525" marT="9525" marB="0" anchor="b"/>
+                </a:tc>
+              </a:tr>
+              <a:tr h="190500">
+                <a:tc>
+                  <a:txBody>
+                    <a:bodyPr/>
+                    <a:lstStyle/>
+                    <a:p>
+                      <a:pPr algn="l" fontAlgn="b"/>
+                      <a:r>
+                        <a:rPr lang="en-US" sz="1100" u="none" strike="noStrike">
+                          <a:effectLst/>
+                        </a:rPr>
+                        <a:t>0x0000000C</a:t>
+                      </a:r>
+                      <a:endParaRPr lang="en-US" sz="1100" b="0" i="0" u="none" strike="noStrike">
+                        <a:solidFill>
+                          <a:srgbClr val="000000"/>
+                        </a:solidFill>
+                        <a:effectLst/>
+                        <a:latin typeface="Calibri"/>
+                      </a:endParaRPr>
+                    </a:p>
+                  </a:txBody>
+                  <a:tcPr marL="9525" marR="9525" marT="9525" marB="0" anchor="b"/>
+                </a:tc>
+                <a:tc>
+                  <a:txBody>
+                    <a:bodyPr/>
+                    <a:lstStyle/>
+                    <a:p>
+                      <a:pPr algn="l" fontAlgn="b"/>
+                      <a:r>
+                        <a:rPr lang="en-US" sz="1100" u="none" strike="noStrike">
+                          <a:effectLst/>
+                        </a:rPr>
+                        <a:t>sw</a:t>
+                      </a:r>
+                      <a:endParaRPr lang="en-US" sz="1100" b="0" i="0" u="none" strike="noStrike">
+                        <a:solidFill>
+                          <a:srgbClr val="000000"/>
+                        </a:solidFill>
+                        <a:effectLst/>
+                        <a:latin typeface="Calibri"/>
+                      </a:endParaRPr>
+                    </a:p>
+                  </a:txBody>
+                  <a:tcPr marL="9525" marR="9525" marT="9525" marB="0" anchor="b"/>
+                </a:tc>
+                <a:tc>
+                  <a:txBody>
+                    <a:bodyPr/>
+                    <a:lstStyle/>
+                    <a:p>
+                      <a:pPr algn="l" fontAlgn="b"/>
+                      <a:r>
+                        <a:rPr lang="en-US" sz="1100" u="none" strike="noStrike">
+                          <a:effectLst/>
+                        </a:rPr>
+                        <a:t>Stores a "word" in a given register</a:t>
+                      </a:r>
+                      <a:endParaRPr lang="en-US" sz="1100" b="0" i="0" u="none" strike="noStrike">
+                        <a:solidFill>
+                          <a:srgbClr val="000000"/>
+                        </a:solidFill>
+                        <a:effectLst/>
+                        <a:latin typeface="Calibri"/>
+                      </a:endParaRPr>
+                    </a:p>
+                  </a:txBody>
+                  <a:tcPr marL="9525" marR="9525" marT="9525" marB="0" anchor="b"/>
+                </a:tc>
+              </a:tr>
+              <a:tr h="190500">
+                <a:tc>
+                  <a:txBody>
+                    <a:bodyPr/>
+                    <a:lstStyle/>
+                    <a:p>
+                      <a:pPr algn="l" fontAlgn="b"/>
+                      <a:r>
+                        <a:rPr lang="en-US" sz="1100" u="none" strike="noStrike">
+                          <a:effectLst/>
+                        </a:rPr>
+                        <a:t>0x00000010</a:t>
+                      </a:r>
+                      <a:endParaRPr lang="en-US" sz="1100" b="0" i="0" u="none" strike="noStrike">
+                        <a:solidFill>
+                          <a:srgbClr val="000000"/>
+                        </a:solidFill>
+                        <a:effectLst/>
+                        <a:latin typeface="Calibri"/>
+                      </a:endParaRPr>
+                    </a:p>
+                  </a:txBody>
+                  <a:tcPr marL="9525" marR="9525" marT="9525" marB="0" anchor="b"/>
+                </a:tc>
+                <a:tc>
+                  <a:txBody>
+                    <a:bodyPr/>
+                    <a:lstStyle/>
+                    <a:p>
+                      <a:pPr algn="l" fontAlgn="b"/>
+                      <a:r>
+                        <a:rPr lang="en-US" sz="1100" u="none" strike="noStrike">
+                          <a:effectLst/>
+                        </a:rPr>
+                        <a:t>li</a:t>
+                      </a:r>
+                      <a:endParaRPr lang="en-US" sz="1100" b="0" i="0" u="none" strike="noStrike">
+                        <a:solidFill>
+                          <a:srgbClr val="000000"/>
+                        </a:solidFill>
+                        <a:effectLst/>
+                        <a:latin typeface="Calibri"/>
+                      </a:endParaRPr>
+                    </a:p>
+                  </a:txBody>
+                  <a:tcPr marL="9525" marR="9525" marT="9525" marB="0" anchor="b"/>
+                </a:tc>
+                <a:tc>
+                  <a:txBody>
+                    <a:bodyPr/>
+                    <a:lstStyle/>
+                    <a:p>
+                      <a:pPr algn="l" fontAlgn="b"/>
+                      <a:r>
+                        <a:rPr lang="en-US" sz="1100" u="none" strike="noStrike">
+                          <a:effectLst/>
+                        </a:rPr>
+                        <a:t>Loads a number immediately into a register</a:t>
+                      </a:r>
+                      <a:endParaRPr lang="en-US" sz="1100" b="0" i="0" u="none" strike="noStrike">
+                        <a:solidFill>
+                          <a:srgbClr val="000000"/>
+                        </a:solidFill>
+                        <a:effectLst/>
+                        <a:latin typeface="Calibri"/>
+                      </a:endParaRPr>
+                    </a:p>
+                  </a:txBody>
+                  <a:tcPr marL="9525" marR="9525" marT="9525" marB="0" anchor="b"/>
+                </a:tc>
+              </a:tr>
+              <a:tr h="190500">
+                <a:tc>
+                  <a:txBody>
+                    <a:bodyPr/>
+                    <a:lstStyle/>
+                    <a:p>
+                      <a:pPr algn="l" fontAlgn="b"/>
+                      <a:r>
+                        <a:rPr lang="en-US" sz="1100" u="none" strike="noStrike">
+                          <a:effectLst/>
+                        </a:rPr>
+                        <a:t>0x00000014</a:t>
+                      </a:r>
+                      <a:endParaRPr lang="en-US" sz="1100" b="0" i="0" u="none" strike="noStrike">
+                        <a:solidFill>
+                          <a:srgbClr val="000000"/>
+                        </a:solidFill>
+                        <a:effectLst/>
+                        <a:latin typeface="Calibri"/>
+                      </a:endParaRPr>
+                    </a:p>
+                  </a:txBody>
+                  <a:tcPr marL="9525" marR="9525" marT="9525" marB="0" anchor="b"/>
+                </a:tc>
+                <a:tc>
+                  <a:txBody>
+                    <a:bodyPr/>
+                    <a:lstStyle/>
+                    <a:p>
+                      <a:pPr algn="l" fontAlgn="b"/>
+                      <a:r>
+                        <a:rPr lang="en-US" sz="1100" u="none" strike="noStrike">
+                          <a:effectLst/>
+                        </a:rPr>
+                        <a:t>lw</a:t>
+                      </a:r>
+                      <a:endParaRPr lang="en-US" sz="1100" b="0" i="0" u="none" strike="noStrike">
+                        <a:solidFill>
+                          <a:srgbClr val="000000"/>
+                        </a:solidFill>
+                        <a:effectLst/>
+                        <a:latin typeface="Calibri"/>
+                      </a:endParaRPr>
+                    </a:p>
+                  </a:txBody>
+                  <a:tcPr marL="9525" marR="9525" marT="9525" marB="0" anchor="b"/>
+                </a:tc>
+                <a:tc>
+                  <a:txBody>
+                    <a:bodyPr/>
+                    <a:lstStyle/>
+                    <a:p>
+                      <a:pPr algn="l" fontAlgn="b"/>
+                      <a:r>
+                        <a:rPr lang="en-US" sz="1100" u="none" strike="noStrike">
+                          <a:effectLst/>
+                        </a:rPr>
+                        <a:t>Loads a word into a given register</a:t>
+                      </a:r>
+                      <a:endParaRPr lang="en-US" sz="1100" b="0" i="0" u="none" strike="noStrike">
+                        <a:solidFill>
+                          <a:srgbClr val="000000"/>
+                        </a:solidFill>
+                        <a:effectLst/>
+                        <a:latin typeface="Calibri"/>
+                      </a:endParaRPr>
+                    </a:p>
+                  </a:txBody>
+                  <a:tcPr marL="9525" marR="9525" marT="9525" marB="0" anchor="b"/>
+                </a:tc>
+              </a:tr>
+              <a:tr h="190500">
+                <a:tc>
+                  <a:txBody>
+                    <a:bodyPr/>
+                    <a:lstStyle/>
+                    <a:p>
+                      <a:pPr algn="l" fontAlgn="b"/>
+                      <a:r>
+                        <a:rPr lang="en-US" sz="1100" u="none" strike="noStrike">
+                          <a:effectLst/>
+                        </a:rPr>
+                        <a:t>0x00000018</a:t>
+                      </a:r>
+                      <a:endParaRPr lang="en-US" sz="1100" b="0" i="0" u="none" strike="noStrike">
+                        <a:solidFill>
+                          <a:srgbClr val="000000"/>
+                        </a:solidFill>
+                        <a:effectLst/>
+                        <a:latin typeface="Calibri"/>
+                      </a:endParaRPr>
+                    </a:p>
+                  </a:txBody>
+                  <a:tcPr marL="9525" marR="9525" marT="9525" marB="0" anchor="b"/>
+                </a:tc>
+                <a:tc>
+                  <a:txBody>
+                    <a:bodyPr/>
+                    <a:lstStyle/>
+                    <a:p>
+                      <a:pPr algn="l" fontAlgn="b"/>
+                      <a:r>
+                        <a:rPr lang="en-US" sz="1100" u="none" strike="noStrike">
+                          <a:effectLst/>
+                        </a:rPr>
+                        <a:t>la</a:t>
+                      </a:r>
+                      <a:endParaRPr lang="en-US" sz="1100" b="0" i="0" u="none" strike="noStrike">
+                        <a:solidFill>
+                          <a:srgbClr val="000000"/>
+                        </a:solidFill>
+                        <a:effectLst/>
+                        <a:latin typeface="Calibri"/>
+                      </a:endParaRPr>
+                    </a:p>
+                  </a:txBody>
+                  <a:tcPr marL="9525" marR="9525" marT="9525" marB="0" anchor="b"/>
+                </a:tc>
+                <a:tc>
+                  <a:txBody>
+                    <a:bodyPr/>
+                    <a:lstStyle/>
+                    <a:p>
+                      <a:pPr algn="l" fontAlgn="b"/>
+                      <a:r>
+                        <a:rPr lang="en-US" sz="1100" u="none" strike="noStrike">
+                          <a:effectLst/>
+                        </a:rPr>
+                        <a:t>Loads adress into given register</a:t>
+                      </a:r>
+                      <a:endParaRPr lang="en-US" sz="1100" b="0" i="0" u="none" strike="noStrike">
+                        <a:solidFill>
+                          <a:srgbClr val="000000"/>
+                        </a:solidFill>
+                        <a:effectLst/>
+                        <a:latin typeface="Calibri"/>
+                      </a:endParaRPr>
+                    </a:p>
+                  </a:txBody>
+                  <a:tcPr marL="9525" marR="9525" marT="9525" marB="0" anchor="b"/>
+                </a:tc>
+              </a:tr>
+              <a:tr h="190500">
+                <a:tc>
+                  <a:txBody>
+                    <a:bodyPr/>
+                    <a:lstStyle/>
+                    <a:p>
+                      <a:pPr algn="l" fontAlgn="b"/>
+                      <a:r>
+                        <a:rPr lang="en-US" sz="1100" u="none" strike="noStrike">
+                          <a:effectLst/>
+                        </a:rPr>
+                        <a:t>0x0000001C</a:t>
+                      </a:r>
+                      <a:endParaRPr lang="en-US" sz="1100" b="0" i="0" u="none" strike="noStrike">
+                        <a:solidFill>
+                          <a:srgbClr val="000000"/>
+                        </a:solidFill>
+                        <a:effectLst/>
+                        <a:latin typeface="Calibri"/>
+                      </a:endParaRPr>
+                    </a:p>
+                  </a:txBody>
+                  <a:tcPr marL="9525" marR="9525" marT="9525" marB="0" anchor="b"/>
+                </a:tc>
+                <a:tc>
+                  <a:txBody>
+                    <a:bodyPr/>
+                    <a:lstStyle/>
+                    <a:p>
+                      <a:pPr algn="l" fontAlgn="b"/>
+                      <a:r>
+                        <a:rPr lang="en-US" sz="1100" u="none" strike="noStrike">
+                          <a:effectLst/>
+                        </a:rPr>
+                        <a:t>add</a:t>
+                      </a:r>
+                      <a:endParaRPr lang="en-US" sz="1100" b="0" i="0" u="none" strike="noStrike">
+                        <a:solidFill>
+                          <a:srgbClr val="000000"/>
+                        </a:solidFill>
+                        <a:effectLst/>
+                        <a:latin typeface="Calibri"/>
+                      </a:endParaRPr>
+                    </a:p>
+                  </a:txBody>
+                  <a:tcPr marL="9525" marR="9525" marT="9525" marB="0" anchor="b"/>
+                </a:tc>
+                <a:tc>
+                  <a:txBody>
+                    <a:bodyPr/>
+                    <a:lstStyle/>
+                    <a:p>
+                      <a:pPr algn="l" fontAlgn="b"/>
+                      <a:r>
+                        <a:rPr lang="en-US" sz="1100" u="none" strike="noStrike">
+                          <a:effectLst/>
+                        </a:rPr>
+                        <a:t>Adds two regiser into a third given register</a:t>
+                      </a:r>
+                      <a:endParaRPr lang="en-US" sz="1100" b="0" i="0" u="none" strike="noStrike">
+                        <a:solidFill>
+                          <a:srgbClr val="000000"/>
+                        </a:solidFill>
+                        <a:effectLst/>
+                        <a:latin typeface="Calibri"/>
+                      </a:endParaRPr>
+                    </a:p>
+                  </a:txBody>
+                  <a:tcPr marL="9525" marR="9525" marT="9525" marB="0" anchor="b"/>
+                </a:tc>
+              </a:tr>
+              <a:tr h="190500">
+                <a:tc>
+                  <a:txBody>
+                    <a:bodyPr/>
+                    <a:lstStyle/>
+                    <a:p>
+                      <a:pPr algn="l" fontAlgn="b"/>
+                      <a:r>
+                        <a:rPr lang="en-US" sz="1100" u="none" strike="noStrike">
+                          <a:effectLst/>
+                        </a:rPr>
+                        <a:t>0x00000020</a:t>
+                      </a:r>
+                      <a:endParaRPr lang="en-US" sz="1100" b="0" i="0" u="none" strike="noStrike">
+                        <a:solidFill>
+                          <a:srgbClr val="000000"/>
+                        </a:solidFill>
+                        <a:effectLst/>
+                        <a:latin typeface="Calibri"/>
+                      </a:endParaRPr>
+                    </a:p>
+                  </a:txBody>
+                  <a:tcPr marL="9525" marR="9525" marT="9525" marB="0" anchor="b"/>
+                </a:tc>
+                <a:tc>
+                  <a:txBody>
+                    <a:bodyPr/>
+                    <a:lstStyle/>
+                    <a:p>
+                      <a:pPr algn="l" fontAlgn="b"/>
+                      <a:r>
+                        <a:rPr lang="en-US" sz="1100" u="none" strike="noStrike">
+                          <a:effectLst/>
+                        </a:rPr>
+                        <a:t>bgtz</a:t>
+                      </a:r>
+                      <a:endParaRPr lang="en-US" sz="1100" b="0" i="0" u="none" strike="noStrike">
+                        <a:solidFill>
+                          <a:srgbClr val="000000"/>
+                        </a:solidFill>
+                        <a:effectLst/>
+                        <a:latin typeface="Calibri"/>
+                      </a:endParaRPr>
+                    </a:p>
+                  </a:txBody>
+                  <a:tcPr marL="9525" marR="9525" marT="9525" marB="0" anchor="b"/>
+                </a:tc>
+                <a:tc>
+                  <a:txBody>
+                    <a:bodyPr/>
+                    <a:lstStyle/>
+                    <a:p>
+                      <a:pPr algn="l" fontAlgn="b"/>
+                      <a:r>
+                        <a:rPr lang="en-US" sz="1100" u="none" strike="noStrike" dirty="0">
+                          <a:effectLst/>
+                        </a:rPr>
+                        <a:t>Branch if Greater Than Zero</a:t>
+                      </a:r>
+                      <a:endParaRPr lang="en-US" sz="1100" b="0" i="0" u="none" strike="noStrike" dirty="0">
+                        <a:solidFill>
+                          <a:srgbClr val="000000"/>
+                        </a:solidFill>
+                        <a:effectLst/>
+                        <a:latin typeface="Calibri"/>
+                      </a:endParaRPr>
+                    </a:p>
+                  </a:txBody>
+                  <a:tcPr marL="9525" marR="9525" marT="9525" marB="0" anchor="b"/>
+                </a:tc>
+              </a:tr>
+            </a:tbl>
+          </a:graphicData>
+        </a:graphic>
+      </p:graphicFrame>
+      <p:graphicFrame>
+        <p:nvGraphicFramePr>
+          <p:cNvPr id="6" name="Table 5"/>
+          <p:cNvGraphicFramePr>
+            <a:graphicFrameLocks noGrp="1"/>
+          </p:cNvGraphicFramePr>
+          <p:nvPr>
+            <p:extLst>
+              <p:ext uri="{D42A27DB-BD31-4B8C-83A1-F6EECF244321}">
+                <p14:modId xmlns:p14="http://schemas.microsoft.com/office/powerpoint/2010/main" val="1310740929"/>
+              </p:ext>
+            </p:extLst>
+          </p:nvPr>
+        </p:nvGraphicFramePr>
+        <p:xfrm>
+          <a:off x="4816365" y="711584"/>
+          <a:ext cx="6286500" cy="3048000"/>
+        </p:xfrm>
+        <a:graphic>
+          <a:graphicData uri="http://schemas.openxmlformats.org/drawingml/2006/table">
+            <a:tbl>
+              <a:tblPr>
+                <a:tableStyleId>{5C22544A-7EE6-4342-B048-85BDC9FD1C3A}</a:tableStyleId>
+              </a:tblPr>
+              <a:tblGrid>
+                <a:gridCol w="736600"/>
+                <a:gridCol w="1193800"/>
+                <a:gridCol w="3048000"/>
+                <a:gridCol w="1308100"/>
+              </a:tblGrid>
+              <a:tr h="190500">
+                <a:tc>
+                  <a:txBody>
+                    <a:bodyPr/>
+                    <a:lstStyle/>
+                    <a:p>
+                      <a:pPr algn="l" fontAlgn="b"/>
+                      <a:r>
+                        <a:rPr lang="en-US" sz="1100" u="none" strike="noStrike">
+                          <a:effectLst/>
+                        </a:rPr>
+                        <a:t>0x00000024</a:t>
+                      </a:r>
+                      <a:endParaRPr lang="en-US" sz="1100" b="0" i="0" u="none" strike="noStrike">
+                        <a:solidFill>
+                          <a:srgbClr val="000000"/>
+                        </a:solidFill>
+                        <a:effectLst/>
+                        <a:latin typeface="Calibri"/>
+                      </a:endParaRPr>
+                    </a:p>
+                  </a:txBody>
+                  <a:tcPr marL="9525" marR="9525" marT="9525" marB="0" anchor="b"/>
+                </a:tc>
+                <a:tc>
+                  <a:txBody>
+                    <a:bodyPr/>
+                    <a:lstStyle/>
+                    <a:p>
+                      <a:pPr algn="l" fontAlgn="b"/>
+                      <a:r>
+                        <a:rPr lang="en-US" sz="1100" u="none" strike="noStrike">
+                          <a:effectLst/>
+                        </a:rPr>
+                        <a:t>.word fibs 0 : 15</a:t>
+                      </a:r>
+                      <a:endParaRPr lang="en-US" sz="1100" b="0" i="0" u="none" strike="noStrike">
+                        <a:solidFill>
+                          <a:srgbClr val="000000"/>
+                        </a:solidFill>
+                        <a:effectLst/>
+                        <a:latin typeface="Calibri"/>
+                      </a:endParaRPr>
+                    </a:p>
+                  </a:txBody>
+                  <a:tcPr marL="9525" marR="9525" marT="9525" marB="0" anchor="b"/>
+                </a:tc>
+                <a:tc>
+                  <a:txBody>
+                    <a:bodyPr/>
+                    <a:lstStyle/>
+                    <a:p>
+                      <a:pPr algn="l" fontAlgn="b"/>
+                      <a:r>
+                        <a:rPr lang="en-US" sz="1100" u="none" strike="noStrike">
+                          <a:effectLst/>
+                        </a:rPr>
+                        <a:t>Allocate "Array" of chars for sequence generation</a:t>
+                      </a:r>
+                      <a:endParaRPr lang="en-US" sz="1100" b="0" i="0" u="none" strike="noStrike">
+                        <a:solidFill>
+                          <a:srgbClr val="000000"/>
+                        </a:solidFill>
+                        <a:effectLst/>
+                        <a:latin typeface="Calibri"/>
+                      </a:endParaRPr>
+                    </a:p>
+                  </a:txBody>
+                  <a:tcPr marL="9525" marR="9525" marT="9525" marB="0" anchor="b"/>
+                </a:tc>
+                <a:tc>
+                  <a:txBody>
+                    <a:bodyPr/>
+                    <a:lstStyle/>
+                    <a:p>
+                      <a:pPr algn="l" fontAlgn="b"/>
+                      <a:r>
+                        <a:rPr lang="en-US" sz="1100" u="none" strike="noStrike">
+                          <a:effectLst/>
+                        </a:rPr>
+                        <a:t>fibs[0]</a:t>
+                      </a:r>
+                      <a:endParaRPr lang="en-US" sz="1100" b="0" i="0" u="none" strike="noStrike">
+                        <a:solidFill>
+                          <a:srgbClr val="000000"/>
+                        </a:solidFill>
+                        <a:effectLst/>
+                        <a:latin typeface="Calibri"/>
+                      </a:endParaRPr>
+                    </a:p>
+                  </a:txBody>
+                  <a:tcPr marL="9525" marR="9525" marT="9525" marB="0" anchor="b"/>
+                </a:tc>
+              </a:tr>
+              <a:tr h="190500">
+                <a:tc>
+                  <a:txBody>
+                    <a:bodyPr/>
+                    <a:lstStyle/>
+                    <a:p>
+                      <a:pPr algn="l" fontAlgn="b"/>
+                      <a:r>
+                        <a:rPr lang="en-US" sz="1100" u="none" strike="noStrike">
+                          <a:effectLst/>
+                        </a:rPr>
+                        <a:t>0x00000028</a:t>
+                      </a:r>
+                      <a:endParaRPr lang="en-US" sz="1100" b="0" i="0" u="none" strike="noStrike">
+                        <a:solidFill>
+                          <a:srgbClr val="000000"/>
+                        </a:solidFill>
+                        <a:effectLst/>
+                        <a:latin typeface="Calibri"/>
+                      </a:endParaRPr>
+                    </a:p>
+                  </a:txBody>
+                  <a:tcPr marL="9525" marR="9525" marT="9525" marB="0" anchor="b"/>
+                </a:tc>
+                <a:tc>
+                  <a:txBody>
+                    <a:bodyPr/>
+                    <a:lstStyle/>
+                    <a:p>
+                      <a:pPr algn="l" fontAlgn="b"/>
+                      <a:endParaRPr lang="en-US" sz="1100" b="0" i="0" u="none" strike="noStrike">
+                        <a:solidFill>
+                          <a:srgbClr val="000000"/>
+                        </a:solidFill>
+                        <a:effectLst/>
+                        <a:latin typeface="Calibri"/>
+                      </a:endParaRPr>
+                    </a:p>
+                  </a:txBody>
+                  <a:tcPr marL="9525" marR="9525" marT="9525" marB="0" anchor="b"/>
+                </a:tc>
+                <a:tc>
+                  <a:txBody>
+                    <a:bodyPr/>
+                    <a:lstStyle/>
+                    <a:p>
+                      <a:pPr algn="l" fontAlgn="b"/>
+                      <a:endParaRPr lang="en-US" sz="1100" b="0" i="0" u="none" strike="noStrike">
+                        <a:solidFill>
+                          <a:srgbClr val="000000"/>
+                        </a:solidFill>
+                        <a:effectLst/>
+                        <a:latin typeface="Calibri"/>
+                      </a:endParaRPr>
+                    </a:p>
+                  </a:txBody>
+                  <a:tcPr marL="9525" marR="9525" marT="9525" marB="0" anchor="b"/>
+                </a:tc>
+                <a:tc>
+                  <a:txBody>
+                    <a:bodyPr/>
+                    <a:lstStyle/>
+                    <a:p>
+                      <a:pPr algn="l" fontAlgn="b"/>
+                      <a:r>
+                        <a:rPr lang="en-US" sz="1100" u="none" strike="noStrike">
+                          <a:effectLst/>
+                        </a:rPr>
+                        <a:t>fibs[1]</a:t>
+                      </a:r>
+                      <a:endParaRPr lang="en-US" sz="1100" b="0" i="0" u="none" strike="noStrike">
+                        <a:solidFill>
+                          <a:srgbClr val="000000"/>
+                        </a:solidFill>
+                        <a:effectLst/>
+                        <a:latin typeface="Calibri"/>
+                      </a:endParaRPr>
+                    </a:p>
+                  </a:txBody>
+                  <a:tcPr marL="9525" marR="9525" marT="9525" marB="0" anchor="b"/>
+                </a:tc>
+              </a:tr>
+              <a:tr h="190500">
+                <a:tc>
+                  <a:txBody>
+                    <a:bodyPr/>
+                    <a:lstStyle/>
+                    <a:p>
+                      <a:pPr algn="l" fontAlgn="b"/>
+                      <a:r>
+                        <a:rPr lang="en-US" sz="1100" u="none" strike="noStrike">
+                          <a:effectLst/>
+                        </a:rPr>
+                        <a:t>0x0000002C</a:t>
+                      </a:r>
+                      <a:endParaRPr lang="en-US" sz="1100" b="0" i="0" u="none" strike="noStrike">
+                        <a:solidFill>
+                          <a:srgbClr val="000000"/>
+                        </a:solidFill>
+                        <a:effectLst/>
+                        <a:latin typeface="Calibri"/>
+                      </a:endParaRPr>
+                    </a:p>
+                  </a:txBody>
+                  <a:tcPr marL="9525" marR="9525" marT="9525" marB="0" anchor="b"/>
+                </a:tc>
+                <a:tc>
+                  <a:txBody>
+                    <a:bodyPr/>
+                    <a:lstStyle/>
+                    <a:p>
+                      <a:pPr algn="l" fontAlgn="b"/>
+                      <a:endParaRPr lang="en-US" sz="1100" b="0" i="0" u="none" strike="noStrike">
+                        <a:solidFill>
+                          <a:srgbClr val="000000"/>
+                        </a:solidFill>
+                        <a:effectLst/>
+                        <a:latin typeface="Calibri"/>
+                      </a:endParaRPr>
+                    </a:p>
+                  </a:txBody>
+                  <a:tcPr marL="9525" marR="9525" marT="9525" marB="0" anchor="b"/>
+                </a:tc>
+                <a:tc>
+                  <a:txBody>
+                    <a:bodyPr/>
+                    <a:lstStyle/>
+                    <a:p>
+                      <a:pPr algn="l" fontAlgn="b"/>
+                      <a:endParaRPr lang="en-US" sz="1100" b="0" i="0" u="none" strike="noStrike">
+                        <a:solidFill>
+                          <a:srgbClr val="000000"/>
+                        </a:solidFill>
+                        <a:effectLst/>
+                        <a:latin typeface="Calibri"/>
+                      </a:endParaRPr>
+                    </a:p>
+                  </a:txBody>
+                  <a:tcPr marL="9525" marR="9525" marT="9525" marB="0" anchor="b"/>
+                </a:tc>
+                <a:tc>
+                  <a:txBody>
+                    <a:bodyPr/>
+                    <a:lstStyle/>
+                    <a:p>
+                      <a:pPr algn="l" fontAlgn="b"/>
+                      <a:r>
+                        <a:rPr lang="en-US" sz="1100" u="none" strike="noStrike">
+                          <a:effectLst/>
+                        </a:rPr>
+                        <a:t>fibs[2]</a:t>
+                      </a:r>
+                      <a:endParaRPr lang="en-US" sz="1100" b="0" i="0" u="none" strike="noStrike">
+                        <a:solidFill>
+                          <a:srgbClr val="000000"/>
+                        </a:solidFill>
+                        <a:effectLst/>
+                        <a:latin typeface="Calibri"/>
+                      </a:endParaRPr>
+                    </a:p>
+                  </a:txBody>
+                  <a:tcPr marL="9525" marR="9525" marT="9525" marB="0" anchor="b"/>
+                </a:tc>
+              </a:tr>
+              <a:tr h="190500">
+                <a:tc>
+                  <a:txBody>
+                    <a:bodyPr/>
+                    <a:lstStyle/>
+                    <a:p>
+                      <a:pPr algn="l" fontAlgn="b"/>
+                      <a:r>
+                        <a:rPr lang="en-US" sz="1100" u="none" strike="noStrike">
+                          <a:effectLst/>
+                        </a:rPr>
+                        <a:t>0x00000030</a:t>
+                      </a:r>
+                      <a:endParaRPr lang="en-US" sz="1100" b="0" i="0" u="none" strike="noStrike">
+                        <a:solidFill>
+                          <a:srgbClr val="000000"/>
+                        </a:solidFill>
+                        <a:effectLst/>
+                        <a:latin typeface="Calibri"/>
+                      </a:endParaRPr>
+                    </a:p>
+                  </a:txBody>
+                  <a:tcPr marL="9525" marR="9525" marT="9525" marB="0" anchor="b"/>
+                </a:tc>
+                <a:tc>
+                  <a:txBody>
+                    <a:bodyPr/>
+                    <a:lstStyle/>
+                    <a:p>
+                      <a:pPr algn="l" fontAlgn="b"/>
+                      <a:endParaRPr lang="en-US" sz="1100" b="0" i="0" u="none" strike="noStrike">
+                        <a:solidFill>
+                          <a:srgbClr val="000000"/>
+                        </a:solidFill>
+                        <a:effectLst/>
+                        <a:latin typeface="Calibri"/>
+                      </a:endParaRPr>
+                    </a:p>
+                  </a:txBody>
+                  <a:tcPr marL="9525" marR="9525" marT="9525" marB="0" anchor="b"/>
+                </a:tc>
+                <a:tc>
+                  <a:txBody>
+                    <a:bodyPr/>
+                    <a:lstStyle/>
+                    <a:p>
+                      <a:pPr algn="l" fontAlgn="b"/>
+                      <a:endParaRPr lang="en-US" sz="1100" b="0" i="0" u="none" strike="noStrike">
+                        <a:solidFill>
+                          <a:srgbClr val="000000"/>
+                        </a:solidFill>
+                        <a:effectLst/>
+                        <a:latin typeface="Calibri"/>
+                      </a:endParaRPr>
+                    </a:p>
+                  </a:txBody>
+                  <a:tcPr marL="9525" marR="9525" marT="9525" marB="0" anchor="b"/>
+                </a:tc>
+                <a:tc>
+                  <a:txBody>
+                    <a:bodyPr/>
+                    <a:lstStyle/>
+                    <a:p>
+                      <a:pPr algn="l" fontAlgn="b"/>
+                      <a:r>
+                        <a:rPr lang="en-US" sz="1100" u="none" strike="noStrike">
+                          <a:effectLst/>
+                        </a:rPr>
+                        <a:t>fibs[3]</a:t>
+                      </a:r>
+                      <a:endParaRPr lang="en-US" sz="1100" b="0" i="0" u="none" strike="noStrike">
+                        <a:solidFill>
+                          <a:srgbClr val="000000"/>
+                        </a:solidFill>
+                        <a:effectLst/>
+                        <a:latin typeface="Calibri"/>
+                      </a:endParaRPr>
+                    </a:p>
+                  </a:txBody>
+                  <a:tcPr marL="9525" marR="9525" marT="9525" marB="0" anchor="b"/>
+                </a:tc>
+              </a:tr>
+              <a:tr h="190500">
+                <a:tc>
+                  <a:txBody>
+                    <a:bodyPr/>
+                    <a:lstStyle/>
+                    <a:p>
+                      <a:pPr algn="l" fontAlgn="b"/>
+                      <a:r>
+                        <a:rPr lang="en-US" sz="1100" u="none" strike="noStrike">
+                          <a:effectLst/>
+                        </a:rPr>
+                        <a:t>0x00000034</a:t>
+                      </a:r>
+                      <a:endParaRPr lang="en-US" sz="1100" b="0" i="0" u="none" strike="noStrike">
+                        <a:solidFill>
+                          <a:srgbClr val="000000"/>
+                        </a:solidFill>
+                        <a:effectLst/>
+                        <a:latin typeface="Calibri"/>
+                      </a:endParaRPr>
+                    </a:p>
+                  </a:txBody>
+                  <a:tcPr marL="9525" marR="9525" marT="9525" marB="0" anchor="b"/>
+                </a:tc>
+                <a:tc>
+                  <a:txBody>
+                    <a:bodyPr/>
+                    <a:lstStyle/>
+                    <a:p>
+                      <a:pPr algn="l" fontAlgn="b"/>
+                      <a:endParaRPr lang="en-US" sz="1100" b="0" i="0" u="none" strike="noStrike">
+                        <a:solidFill>
+                          <a:srgbClr val="000000"/>
+                        </a:solidFill>
+                        <a:effectLst/>
+                        <a:latin typeface="Calibri"/>
+                      </a:endParaRPr>
+                    </a:p>
+                  </a:txBody>
+                  <a:tcPr marL="9525" marR="9525" marT="9525" marB="0" anchor="b"/>
+                </a:tc>
+                <a:tc>
+                  <a:txBody>
+                    <a:bodyPr/>
+                    <a:lstStyle/>
+                    <a:p>
+                      <a:pPr algn="l" fontAlgn="b"/>
+                      <a:endParaRPr lang="en-US" sz="1100" b="0" i="0" u="none" strike="noStrike">
+                        <a:solidFill>
+                          <a:srgbClr val="000000"/>
+                        </a:solidFill>
+                        <a:effectLst/>
+                        <a:latin typeface="Calibri"/>
+                      </a:endParaRPr>
+                    </a:p>
+                  </a:txBody>
+                  <a:tcPr marL="9525" marR="9525" marT="9525" marB="0" anchor="b"/>
+                </a:tc>
+                <a:tc>
+                  <a:txBody>
+                    <a:bodyPr/>
+                    <a:lstStyle/>
+                    <a:p>
+                      <a:pPr algn="l" fontAlgn="b"/>
+                      <a:r>
+                        <a:rPr lang="en-US" sz="1100" u="none" strike="noStrike">
+                          <a:effectLst/>
+                        </a:rPr>
+                        <a:t>fibs[4]</a:t>
+                      </a:r>
+                      <a:endParaRPr lang="en-US" sz="1100" b="0" i="0" u="none" strike="noStrike">
+                        <a:solidFill>
+                          <a:srgbClr val="000000"/>
+                        </a:solidFill>
+                        <a:effectLst/>
+                        <a:latin typeface="Calibri"/>
+                      </a:endParaRPr>
+                    </a:p>
+                  </a:txBody>
+                  <a:tcPr marL="9525" marR="9525" marT="9525" marB="0" anchor="b"/>
+                </a:tc>
+              </a:tr>
+              <a:tr h="190500">
+                <a:tc>
+                  <a:txBody>
+                    <a:bodyPr/>
+                    <a:lstStyle/>
+                    <a:p>
+                      <a:pPr algn="l" fontAlgn="b"/>
+                      <a:r>
+                        <a:rPr lang="en-US" sz="1100" u="none" strike="noStrike">
+                          <a:effectLst/>
+                        </a:rPr>
+                        <a:t>0x00000038</a:t>
+                      </a:r>
+                      <a:endParaRPr lang="en-US" sz="1100" b="0" i="0" u="none" strike="noStrike">
+                        <a:solidFill>
+                          <a:srgbClr val="000000"/>
+                        </a:solidFill>
+                        <a:effectLst/>
+                        <a:latin typeface="Calibri"/>
+                      </a:endParaRPr>
+                    </a:p>
+                  </a:txBody>
+                  <a:tcPr marL="9525" marR="9525" marT="9525" marB="0" anchor="b"/>
+                </a:tc>
+                <a:tc>
+                  <a:txBody>
+                    <a:bodyPr/>
+                    <a:lstStyle/>
+                    <a:p>
+                      <a:pPr algn="l" fontAlgn="b"/>
+                      <a:endParaRPr lang="en-US" sz="1100" b="0" i="0" u="none" strike="noStrike">
+                        <a:solidFill>
+                          <a:srgbClr val="000000"/>
+                        </a:solidFill>
+                        <a:effectLst/>
+                        <a:latin typeface="Calibri"/>
+                      </a:endParaRPr>
+                    </a:p>
+                  </a:txBody>
+                  <a:tcPr marL="9525" marR="9525" marT="9525" marB="0" anchor="b"/>
+                </a:tc>
+                <a:tc>
+                  <a:txBody>
+                    <a:bodyPr/>
+                    <a:lstStyle/>
+                    <a:p>
+                      <a:pPr algn="l" fontAlgn="b"/>
+                      <a:endParaRPr lang="en-US" sz="1100" b="0" i="0" u="none" strike="noStrike">
+                        <a:solidFill>
+                          <a:srgbClr val="000000"/>
+                        </a:solidFill>
+                        <a:effectLst/>
+                        <a:latin typeface="Calibri"/>
+                      </a:endParaRPr>
+                    </a:p>
+                  </a:txBody>
+                  <a:tcPr marL="9525" marR="9525" marT="9525" marB="0" anchor="b"/>
+                </a:tc>
+                <a:tc>
+                  <a:txBody>
+                    <a:bodyPr/>
+                    <a:lstStyle/>
+                    <a:p>
+                      <a:pPr algn="l" fontAlgn="b"/>
+                      <a:r>
+                        <a:rPr lang="en-US" sz="1100" u="none" strike="noStrike">
+                          <a:effectLst/>
+                        </a:rPr>
+                        <a:t>fibs[5]</a:t>
+                      </a:r>
+                      <a:endParaRPr lang="en-US" sz="1100" b="0" i="0" u="none" strike="noStrike">
+                        <a:solidFill>
+                          <a:srgbClr val="000000"/>
+                        </a:solidFill>
+                        <a:effectLst/>
+                        <a:latin typeface="Calibri"/>
+                      </a:endParaRPr>
+                    </a:p>
+                  </a:txBody>
+                  <a:tcPr marL="9525" marR="9525" marT="9525" marB="0" anchor="b"/>
+                </a:tc>
+              </a:tr>
+              <a:tr h="190500">
+                <a:tc>
+                  <a:txBody>
+                    <a:bodyPr/>
+                    <a:lstStyle/>
+                    <a:p>
+                      <a:pPr algn="l" fontAlgn="b"/>
+                      <a:r>
+                        <a:rPr lang="en-US" sz="1100" u="none" strike="noStrike">
+                          <a:effectLst/>
+                        </a:rPr>
+                        <a:t>0x0000003C</a:t>
+                      </a:r>
+                      <a:endParaRPr lang="en-US" sz="1100" b="0" i="0" u="none" strike="noStrike">
+                        <a:solidFill>
+                          <a:srgbClr val="000000"/>
+                        </a:solidFill>
+                        <a:effectLst/>
+                        <a:latin typeface="Calibri"/>
+                      </a:endParaRPr>
+                    </a:p>
+                  </a:txBody>
+                  <a:tcPr marL="9525" marR="9525" marT="9525" marB="0" anchor="b"/>
+                </a:tc>
+                <a:tc>
+                  <a:txBody>
+                    <a:bodyPr/>
+                    <a:lstStyle/>
+                    <a:p>
+                      <a:pPr algn="l" fontAlgn="b"/>
+                      <a:endParaRPr lang="en-US" sz="1100" b="0" i="0" u="none" strike="noStrike">
+                        <a:solidFill>
+                          <a:srgbClr val="000000"/>
+                        </a:solidFill>
+                        <a:effectLst/>
+                        <a:latin typeface="Calibri"/>
+                      </a:endParaRPr>
+                    </a:p>
+                  </a:txBody>
+                  <a:tcPr marL="9525" marR="9525" marT="9525" marB="0" anchor="b"/>
+                </a:tc>
+                <a:tc>
+                  <a:txBody>
+                    <a:bodyPr/>
+                    <a:lstStyle/>
+                    <a:p>
+                      <a:pPr algn="l" fontAlgn="b"/>
+                      <a:endParaRPr lang="en-US" sz="1100" b="0" i="0" u="none" strike="noStrike">
+                        <a:solidFill>
+                          <a:srgbClr val="000000"/>
+                        </a:solidFill>
+                        <a:effectLst/>
+                        <a:latin typeface="Calibri"/>
+                      </a:endParaRPr>
+                    </a:p>
+                  </a:txBody>
+                  <a:tcPr marL="9525" marR="9525" marT="9525" marB="0" anchor="b"/>
+                </a:tc>
+                <a:tc>
+                  <a:txBody>
+                    <a:bodyPr/>
+                    <a:lstStyle/>
+                    <a:p>
+                      <a:pPr algn="l" fontAlgn="b"/>
+                      <a:r>
+                        <a:rPr lang="en-US" sz="1100" u="none" strike="noStrike">
+                          <a:effectLst/>
+                        </a:rPr>
+                        <a:t>fibs[6]</a:t>
+                      </a:r>
+                      <a:endParaRPr lang="en-US" sz="1100" b="0" i="0" u="none" strike="noStrike">
+                        <a:solidFill>
+                          <a:srgbClr val="000000"/>
+                        </a:solidFill>
+                        <a:effectLst/>
+                        <a:latin typeface="Calibri"/>
+                      </a:endParaRPr>
+                    </a:p>
+                  </a:txBody>
+                  <a:tcPr marL="9525" marR="9525" marT="9525" marB="0" anchor="b"/>
+                </a:tc>
+              </a:tr>
+              <a:tr h="190500">
+                <a:tc>
+                  <a:txBody>
+                    <a:bodyPr/>
+                    <a:lstStyle/>
+                    <a:p>
+                      <a:pPr algn="l" fontAlgn="b"/>
+                      <a:r>
+                        <a:rPr lang="en-US" sz="1100" u="none" strike="noStrike">
+                          <a:effectLst/>
+                        </a:rPr>
+                        <a:t>0x00000040</a:t>
+                      </a:r>
+                      <a:endParaRPr lang="en-US" sz="1100" b="0" i="0" u="none" strike="noStrike">
+                        <a:solidFill>
+                          <a:srgbClr val="000000"/>
+                        </a:solidFill>
+                        <a:effectLst/>
+                        <a:latin typeface="Calibri"/>
+                      </a:endParaRPr>
+                    </a:p>
+                  </a:txBody>
+                  <a:tcPr marL="9525" marR="9525" marT="9525" marB="0" anchor="b"/>
+                </a:tc>
+                <a:tc>
+                  <a:txBody>
+                    <a:bodyPr/>
+                    <a:lstStyle/>
+                    <a:p>
+                      <a:pPr algn="l" fontAlgn="b"/>
+                      <a:endParaRPr lang="en-US" sz="1100" b="0" i="0" u="none" strike="noStrike">
+                        <a:solidFill>
+                          <a:srgbClr val="000000"/>
+                        </a:solidFill>
+                        <a:effectLst/>
+                        <a:latin typeface="Calibri"/>
+                      </a:endParaRPr>
+                    </a:p>
+                  </a:txBody>
+                  <a:tcPr marL="9525" marR="9525" marT="9525" marB="0" anchor="b"/>
+                </a:tc>
+                <a:tc>
+                  <a:txBody>
+                    <a:bodyPr/>
+                    <a:lstStyle/>
+                    <a:p>
+                      <a:pPr algn="l" fontAlgn="b"/>
+                      <a:endParaRPr lang="en-US" sz="1100" b="0" i="0" u="none" strike="noStrike">
+                        <a:solidFill>
+                          <a:srgbClr val="000000"/>
+                        </a:solidFill>
+                        <a:effectLst/>
+                        <a:latin typeface="Calibri"/>
+                      </a:endParaRPr>
+                    </a:p>
+                  </a:txBody>
+                  <a:tcPr marL="9525" marR="9525" marT="9525" marB="0" anchor="b"/>
+                </a:tc>
+                <a:tc>
+                  <a:txBody>
+                    <a:bodyPr/>
+                    <a:lstStyle/>
+                    <a:p>
+                      <a:pPr algn="l" fontAlgn="b"/>
+                      <a:r>
+                        <a:rPr lang="en-US" sz="1100" u="none" strike="noStrike">
+                          <a:effectLst/>
+                        </a:rPr>
+                        <a:t>fibs[7]</a:t>
+                      </a:r>
+                      <a:endParaRPr lang="en-US" sz="1100" b="0" i="0" u="none" strike="noStrike">
+                        <a:solidFill>
+                          <a:srgbClr val="000000"/>
+                        </a:solidFill>
+                        <a:effectLst/>
+                        <a:latin typeface="Calibri"/>
+                      </a:endParaRPr>
+                    </a:p>
+                  </a:txBody>
+                  <a:tcPr marL="9525" marR="9525" marT="9525" marB="0" anchor="b"/>
+                </a:tc>
+              </a:tr>
+              <a:tr h="190500">
+                <a:tc>
+                  <a:txBody>
+                    <a:bodyPr/>
+                    <a:lstStyle/>
+                    <a:p>
+                      <a:pPr algn="l" fontAlgn="b"/>
+                      <a:r>
+                        <a:rPr lang="en-US" sz="1100" u="none" strike="noStrike">
+                          <a:effectLst/>
+                        </a:rPr>
+                        <a:t>0x00000044</a:t>
+                      </a:r>
+                      <a:endParaRPr lang="en-US" sz="1100" b="0" i="0" u="none" strike="noStrike">
+                        <a:solidFill>
+                          <a:srgbClr val="000000"/>
+                        </a:solidFill>
+                        <a:effectLst/>
+                        <a:latin typeface="Calibri"/>
+                      </a:endParaRPr>
+                    </a:p>
+                  </a:txBody>
+                  <a:tcPr marL="9525" marR="9525" marT="9525" marB="0" anchor="b"/>
+                </a:tc>
+                <a:tc>
+                  <a:txBody>
+                    <a:bodyPr/>
+                    <a:lstStyle/>
+                    <a:p>
+                      <a:pPr algn="l" fontAlgn="b"/>
+                      <a:endParaRPr lang="en-US" sz="1100" b="0" i="0" u="none" strike="noStrike">
+                        <a:solidFill>
+                          <a:srgbClr val="000000"/>
+                        </a:solidFill>
+                        <a:effectLst/>
+                        <a:latin typeface="Calibri"/>
+                      </a:endParaRPr>
+                    </a:p>
+                  </a:txBody>
+                  <a:tcPr marL="9525" marR="9525" marT="9525" marB="0" anchor="b"/>
+                </a:tc>
+                <a:tc>
+                  <a:txBody>
+                    <a:bodyPr/>
+                    <a:lstStyle/>
+                    <a:p>
+                      <a:pPr algn="l" fontAlgn="b"/>
+                      <a:endParaRPr lang="en-US" sz="1100" b="0" i="0" u="none" strike="noStrike">
+                        <a:solidFill>
+                          <a:srgbClr val="000000"/>
+                        </a:solidFill>
+                        <a:effectLst/>
+                        <a:latin typeface="Calibri"/>
+                      </a:endParaRPr>
+                    </a:p>
+                  </a:txBody>
+                  <a:tcPr marL="9525" marR="9525" marT="9525" marB="0" anchor="b"/>
+                </a:tc>
+                <a:tc>
+                  <a:txBody>
+                    <a:bodyPr/>
+                    <a:lstStyle/>
+                    <a:p>
+                      <a:pPr algn="l" fontAlgn="b"/>
+                      <a:r>
+                        <a:rPr lang="en-US" sz="1100" u="none" strike="noStrike">
+                          <a:effectLst/>
+                        </a:rPr>
+                        <a:t>fibs[8]</a:t>
+                      </a:r>
+                      <a:endParaRPr lang="en-US" sz="1100" b="0" i="0" u="none" strike="noStrike">
+                        <a:solidFill>
+                          <a:srgbClr val="000000"/>
+                        </a:solidFill>
+                        <a:effectLst/>
+                        <a:latin typeface="Calibri"/>
+                      </a:endParaRPr>
+                    </a:p>
+                  </a:txBody>
+                  <a:tcPr marL="9525" marR="9525" marT="9525" marB="0" anchor="b"/>
+                </a:tc>
+              </a:tr>
+              <a:tr h="190500">
+                <a:tc>
+                  <a:txBody>
+                    <a:bodyPr/>
+                    <a:lstStyle/>
+                    <a:p>
+                      <a:pPr algn="l" fontAlgn="b"/>
+                      <a:r>
+                        <a:rPr lang="en-US" sz="1100" u="none" strike="noStrike">
+                          <a:effectLst/>
+                        </a:rPr>
+                        <a:t>0x00000048</a:t>
+                      </a:r>
+                      <a:endParaRPr lang="en-US" sz="1100" b="0" i="0" u="none" strike="noStrike">
+                        <a:solidFill>
+                          <a:srgbClr val="000000"/>
+                        </a:solidFill>
+                        <a:effectLst/>
+                        <a:latin typeface="Calibri"/>
+                      </a:endParaRPr>
+                    </a:p>
+                  </a:txBody>
+                  <a:tcPr marL="9525" marR="9525" marT="9525" marB="0" anchor="b"/>
+                </a:tc>
+                <a:tc>
+                  <a:txBody>
+                    <a:bodyPr/>
+                    <a:lstStyle/>
+                    <a:p>
+                      <a:pPr algn="l" fontAlgn="b"/>
+                      <a:endParaRPr lang="en-US" sz="1100" b="0" i="0" u="none" strike="noStrike">
+                        <a:solidFill>
+                          <a:srgbClr val="000000"/>
+                        </a:solidFill>
+                        <a:effectLst/>
+                        <a:latin typeface="Calibri"/>
+                      </a:endParaRPr>
+                    </a:p>
+                  </a:txBody>
+                  <a:tcPr marL="9525" marR="9525" marT="9525" marB="0" anchor="b"/>
+                </a:tc>
+                <a:tc>
+                  <a:txBody>
+                    <a:bodyPr/>
+                    <a:lstStyle/>
+                    <a:p>
+                      <a:pPr algn="l" fontAlgn="b"/>
+                      <a:endParaRPr lang="en-US" sz="1100" b="0" i="0" u="none" strike="noStrike">
+                        <a:solidFill>
+                          <a:srgbClr val="000000"/>
+                        </a:solidFill>
+                        <a:effectLst/>
+                        <a:latin typeface="Calibri"/>
+                      </a:endParaRPr>
+                    </a:p>
+                  </a:txBody>
+                  <a:tcPr marL="9525" marR="9525" marT="9525" marB="0" anchor="b"/>
+                </a:tc>
+                <a:tc>
+                  <a:txBody>
+                    <a:bodyPr/>
+                    <a:lstStyle/>
+                    <a:p>
+                      <a:pPr algn="l" fontAlgn="b"/>
+                      <a:r>
+                        <a:rPr lang="en-US" sz="1100" u="none" strike="noStrike">
+                          <a:effectLst/>
+                        </a:rPr>
+                        <a:t>fibs[9]</a:t>
+                      </a:r>
+                      <a:endParaRPr lang="en-US" sz="1100" b="0" i="0" u="none" strike="noStrike">
+                        <a:solidFill>
+                          <a:srgbClr val="000000"/>
+                        </a:solidFill>
+                        <a:effectLst/>
+                        <a:latin typeface="Calibri"/>
+                      </a:endParaRPr>
+                    </a:p>
+                  </a:txBody>
+                  <a:tcPr marL="9525" marR="9525" marT="9525" marB="0" anchor="b"/>
+                </a:tc>
+              </a:tr>
+              <a:tr h="190500">
+                <a:tc>
+                  <a:txBody>
+                    <a:bodyPr/>
+                    <a:lstStyle/>
+                    <a:p>
+                      <a:pPr algn="l" fontAlgn="b"/>
+                      <a:r>
+                        <a:rPr lang="en-US" sz="1100" u="none" strike="noStrike">
+                          <a:effectLst/>
+                        </a:rPr>
+                        <a:t>0x0000004C</a:t>
+                      </a:r>
+                      <a:endParaRPr lang="en-US" sz="1100" b="0" i="0" u="none" strike="noStrike">
+                        <a:solidFill>
+                          <a:srgbClr val="000000"/>
+                        </a:solidFill>
+                        <a:effectLst/>
+                        <a:latin typeface="Calibri"/>
+                      </a:endParaRPr>
+                    </a:p>
+                  </a:txBody>
+                  <a:tcPr marL="9525" marR="9525" marT="9525" marB="0" anchor="b"/>
+                </a:tc>
+                <a:tc>
+                  <a:txBody>
+                    <a:bodyPr/>
+                    <a:lstStyle/>
+                    <a:p>
+                      <a:pPr algn="l" fontAlgn="b"/>
+                      <a:endParaRPr lang="en-US" sz="1100" b="0" i="0" u="none" strike="noStrike">
+                        <a:solidFill>
+                          <a:srgbClr val="000000"/>
+                        </a:solidFill>
+                        <a:effectLst/>
+                        <a:latin typeface="Calibri"/>
+                      </a:endParaRPr>
+                    </a:p>
+                  </a:txBody>
+                  <a:tcPr marL="9525" marR="9525" marT="9525" marB="0" anchor="b"/>
+                </a:tc>
+                <a:tc>
+                  <a:txBody>
+                    <a:bodyPr/>
+                    <a:lstStyle/>
+                    <a:p>
+                      <a:pPr algn="l" fontAlgn="b"/>
+                      <a:endParaRPr lang="en-US" sz="1100" b="0" i="0" u="none" strike="noStrike">
+                        <a:solidFill>
+                          <a:srgbClr val="000000"/>
+                        </a:solidFill>
+                        <a:effectLst/>
+                        <a:latin typeface="Calibri"/>
+                      </a:endParaRPr>
+                    </a:p>
+                  </a:txBody>
+                  <a:tcPr marL="9525" marR="9525" marT="9525" marB="0" anchor="b"/>
+                </a:tc>
+                <a:tc>
+                  <a:txBody>
+                    <a:bodyPr/>
+                    <a:lstStyle/>
+                    <a:p>
+                      <a:pPr algn="l" fontAlgn="b"/>
+                      <a:r>
+                        <a:rPr lang="en-US" sz="1100" u="none" strike="noStrike">
+                          <a:effectLst/>
+                        </a:rPr>
+                        <a:t>fibs[10]</a:t>
+                      </a:r>
+                      <a:endParaRPr lang="en-US" sz="1100" b="0" i="0" u="none" strike="noStrike">
+                        <a:solidFill>
+                          <a:srgbClr val="000000"/>
+                        </a:solidFill>
+                        <a:effectLst/>
+                        <a:latin typeface="Calibri"/>
+                      </a:endParaRPr>
+                    </a:p>
+                  </a:txBody>
+                  <a:tcPr marL="9525" marR="9525" marT="9525" marB="0" anchor="b"/>
+                </a:tc>
+              </a:tr>
+              <a:tr h="190500">
+                <a:tc>
+                  <a:txBody>
+                    <a:bodyPr/>
+                    <a:lstStyle/>
+                    <a:p>
+                      <a:pPr algn="l" fontAlgn="b"/>
+                      <a:r>
+                        <a:rPr lang="en-US" sz="1100" u="none" strike="noStrike">
+                          <a:effectLst/>
+                        </a:rPr>
+                        <a:t>0x00000050</a:t>
+                      </a:r>
+                      <a:endParaRPr lang="en-US" sz="1100" b="0" i="0" u="none" strike="noStrike">
+                        <a:solidFill>
+                          <a:srgbClr val="000000"/>
+                        </a:solidFill>
+                        <a:effectLst/>
+                        <a:latin typeface="Calibri"/>
+                      </a:endParaRPr>
+                    </a:p>
+                  </a:txBody>
+                  <a:tcPr marL="9525" marR="9525" marT="9525" marB="0" anchor="b"/>
+                </a:tc>
+                <a:tc>
+                  <a:txBody>
+                    <a:bodyPr/>
+                    <a:lstStyle/>
+                    <a:p>
+                      <a:pPr algn="l" fontAlgn="b"/>
+                      <a:endParaRPr lang="en-US" sz="1100" b="0" i="0" u="none" strike="noStrike">
+                        <a:solidFill>
+                          <a:srgbClr val="000000"/>
+                        </a:solidFill>
+                        <a:effectLst/>
+                        <a:latin typeface="Calibri"/>
+                      </a:endParaRPr>
+                    </a:p>
+                  </a:txBody>
+                  <a:tcPr marL="9525" marR="9525" marT="9525" marB="0" anchor="b"/>
+                </a:tc>
+                <a:tc>
+                  <a:txBody>
+                    <a:bodyPr/>
+                    <a:lstStyle/>
+                    <a:p>
+                      <a:pPr algn="l" fontAlgn="b"/>
+                      <a:endParaRPr lang="en-US" sz="1100" b="0" i="0" u="none" strike="noStrike">
+                        <a:solidFill>
+                          <a:srgbClr val="000000"/>
+                        </a:solidFill>
+                        <a:effectLst/>
+                        <a:latin typeface="Calibri"/>
+                      </a:endParaRPr>
+                    </a:p>
+                  </a:txBody>
+                  <a:tcPr marL="9525" marR="9525" marT="9525" marB="0" anchor="b"/>
+                </a:tc>
+                <a:tc>
+                  <a:txBody>
+                    <a:bodyPr/>
+                    <a:lstStyle/>
+                    <a:p>
+                      <a:pPr algn="l" fontAlgn="b"/>
+                      <a:r>
+                        <a:rPr lang="en-US" sz="1100" u="none" strike="noStrike">
+                          <a:effectLst/>
+                        </a:rPr>
+                        <a:t>fibs[11]</a:t>
+                      </a:r>
+                      <a:endParaRPr lang="en-US" sz="1100" b="0" i="0" u="none" strike="noStrike">
+                        <a:solidFill>
+                          <a:srgbClr val="000000"/>
+                        </a:solidFill>
+                        <a:effectLst/>
+                        <a:latin typeface="Calibri"/>
+                      </a:endParaRPr>
+                    </a:p>
+                  </a:txBody>
+                  <a:tcPr marL="9525" marR="9525" marT="9525" marB="0" anchor="b"/>
+                </a:tc>
+              </a:tr>
+              <a:tr h="190500">
+                <a:tc>
+                  <a:txBody>
+                    <a:bodyPr/>
+                    <a:lstStyle/>
+                    <a:p>
+                      <a:pPr algn="l" fontAlgn="b"/>
+                      <a:r>
+                        <a:rPr lang="en-US" sz="1100" u="none" strike="noStrike">
+                          <a:effectLst/>
+                        </a:rPr>
+                        <a:t>0x00000054</a:t>
+                      </a:r>
+                      <a:endParaRPr lang="en-US" sz="1100" b="0" i="0" u="none" strike="noStrike">
+                        <a:solidFill>
+                          <a:srgbClr val="000000"/>
+                        </a:solidFill>
+                        <a:effectLst/>
+                        <a:latin typeface="Calibri"/>
+                      </a:endParaRPr>
+                    </a:p>
+                  </a:txBody>
+                  <a:tcPr marL="9525" marR="9525" marT="9525" marB="0" anchor="b"/>
+                </a:tc>
+                <a:tc>
+                  <a:txBody>
+                    <a:bodyPr/>
+                    <a:lstStyle/>
+                    <a:p>
+                      <a:pPr algn="l" fontAlgn="b"/>
+                      <a:endParaRPr lang="en-US" sz="1100" b="0" i="0" u="none" strike="noStrike">
+                        <a:solidFill>
+                          <a:srgbClr val="000000"/>
+                        </a:solidFill>
+                        <a:effectLst/>
+                        <a:latin typeface="Calibri"/>
+                      </a:endParaRPr>
+                    </a:p>
+                  </a:txBody>
+                  <a:tcPr marL="9525" marR="9525" marT="9525" marB="0" anchor="b"/>
+                </a:tc>
+                <a:tc>
+                  <a:txBody>
+                    <a:bodyPr/>
+                    <a:lstStyle/>
+                    <a:p>
+                      <a:pPr algn="l" fontAlgn="b"/>
+                      <a:endParaRPr lang="en-US" sz="1100" b="0" i="0" u="none" strike="noStrike">
+                        <a:solidFill>
+                          <a:srgbClr val="000000"/>
+                        </a:solidFill>
+                        <a:effectLst/>
+                        <a:latin typeface="Calibri"/>
+                      </a:endParaRPr>
+                    </a:p>
+                  </a:txBody>
+                  <a:tcPr marL="9525" marR="9525" marT="9525" marB="0" anchor="b"/>
+                </a:tc>
+                <a:tc>
+                  <a:txBody>
+                    <a:bodyPr/>
+                    <a:lstStyle/>
+                    <a:p>
+                      <a:pPr algn="l" fontAlgn="b"/>
+                      <a:r>
+                        <a:rPr lang="en-US" sz="1100" u="none" strike="noStrike">
+                          <a:effectLst/>
+                        </a:rPr>
+                        <a:t>fibs[12]</a:t>
+                      </a:r>
+                      <a:endParaRPr lang="en-US" sz="1100" b="0" i="0" u="none" strike="noStrike">
+                        <a:solidFill>
+                          <a:srgbClr val="000000"/>
+                        </a:solidFill>
+                        <a:effectLst/>
+                        <a:latin typeface="Calibri"/>
+                      </a:endParaRPr>
+                    </a:p>
+                  </a:txBody>
+                  <a:tcPr marL="9525" marR="9525" marT="9525" marB="0" anchor="b"/>
+                </a:tc>
+              </a:tr>
+              <a:tr h="190500">
+                <a:tc>
+                  <a:txBody>
+                    <a:bodyPr/>
+                    <a:lstStyle/>
+                    <a:p>
+                      <a:pPr algn="l" fontAlgn="b"/>
+                      <a:r>
+                        <a:rPr lang="en-US" sz="1100" u="none" strike="noStrike">
+                          <a:effectLst/>
+                        </a:rPr>
+                        <a:t>0x00000058</a:t>
+                      </a:r>
+                      <a:endParaRPr lang="en-US" sz="1100" b="0" i="0" u="none" strike="noStrike">
+                        <a:solidFill>
+                          <a:srgbClr val="000000"/>
+                        </a:solidFill>
+                        <a:effectLst/>
+                        <a:latin typeface="Calibri"/>
+                      </a:endParaRPr>
+                    </a:p>
+                  </a:txBody>
+                  <a:tcPr marL="9525" marR="9525" marT="9525" marB="0" anchor="b"/>
+                </a:tc>
+                <a:tc>
+                  <a:txBody>
+                    <a:bodyPr/>
+                    <a:lstStyle/>
+                    <a:p>
+                      <a:pPr algn="l" fontAlgn="b"/>
+                      <a:endParaRPr lang="en-US" sz="1100" b="0" i="0" u="none" strike="noStrike">
+                        <a:solidFill>
+                          <a:srgbClr val="000000"/>
+                        </a:solidFill>
+                        <a:effectLst/>
+                        <a:latin typeface="Calibri"/>
+                      </a:endParaRPr>
+                    </a:p>
+                  </a:txBody>
+                  <a:tcPr marL="9525" marR="9525" marT="9525" marB="0" anchor="b"/>
+                </a:tc>
+                <a:tc>
+                  <a:txBody>
+                    <a:bodyPr/>
+                    <a:lstStyle/>
+                    <a:p>
+                      <a:pPr algn="l" fontAlgn="b"/>
+                      <a:endParaRPr lang="en-US" sz="1100" b="0" i="0" u="none" strike="noStrike">
+                        <a:solidFill>
+                          <a:srgbClr val="000000"/>
+                        </a:solidFill>
+                        <a:effectLst/>
+                        <a:latin typeface="Calibri"/>
+                      </a:endParaRPr>
+                    </a:p>
+                  </a:txBody>
+                  <a:tcPr marL="9525" marR="9525" marT="9525" marB="0" anchor="b"/>
+                </a:tc>
+                <a:tc>
+                  <a:txBody>
+                    <a:bodyPr/>
+                    <a:lstStyle/>
+                    <a:p>
+                      <a:pPr algn="l" fontAlgn="b"/>
+                      <a:r>
+                        <a:rPr lang="en-US" sz="1100" u="none" strike="noStrike">
+                          <a:effectLst/>
+                        </a:rPr>
+                        <a:t>fibs[13]</a:t>
+                      </a:r>
+                      <a:endParaRPr lang="en-US" sz="1100" b="0" i="0" u="none" strike="noStrike">
+                        <a:solidFill>
+                          <a:srgbClr val="000000"/>
+                        </a:solidFill>
+                        <a:effectLst/>
+                        <a:latin typeface="Calibri"/>
+                      </a:endParaRPr>
+                    </a:p>
+                  </a:txBody>
+                  <a:tcPr marL="9525" marR="9525" marT="9525" marB="0" anchor="b"/>
+                </a:tc>
+              </a:tr>
+              <a:tr h="190500">
+                <a:tc>
+                  <a:txBody>
+                    <a:bodyPr/>
+                    <a:lstStyle/>
+                    <a:p>
+                      <a:pPr algn="l" fontAlgn="b"/>
+                      <a:r>
+                        <a:rPr lang="en-US" sz="1100" u="none" strike="noStrike">
+                          <a:effectLst/>
+                        </a:rPr>
+                        <a:t>0x0000005C</a:t>
+                      </a:r>
+                      <a:endParaRPr lang="en-US" sz="1100" b="0" i="0" u="none" strike="noStrike">
+                        <a:solidFill>
+                          <a:srgbClr val="000000"/>
+                        </a:solidFill>
+                        <a:effectLst/>
+                        <a:latin typeface="Calibri"/>
+                      </a:endParaRPr>
+                    </a:p>
+                  </a:txBody>
+                  <a:tcPr marL="9525" marR="9525" marT="9525" marB="0" anchor="b"/>
+                </a:tc>
+                <a:tc>
+                  <a:txBody>
+                    <a:bodyPr/>
+                    <a:lstStyle/>
+                    <a:p>
+                      <a:pPr algn="l" fontAlgn="b"/>
+                      <a:endParaRPr lang="en-US" sz="1100" b="0" i="0" u="none" strike="noStrike">
+                        <a:solidFill>
+                          <a:srgbClr val="000000"/>
+                        </a:solidFill>
+                        <a:effectLst/>
+                        <a:latin typeface="Calibri"/>
+                      </a:endParaRPr>
+                    </a:p>
+                  </a:txBody>
+                  <a:tcPr marL="9525" marR="9525" marT="9525" marB="0" anchor="b"/>
+                </a:tc>
+                <a:tc>
+                  <a:txBody>
+                    <a:bodyPr/>
+                    <a:lstStyle/>
+                    <a:p>
+                      <a:pPr algn="l" fontAlgn="b"/>
+                      <a:endParaRPr lang="en-US" sz="1100" b="0" i="0" u="none" strike="noStrike">
+                        <a:solidFill>
+                          <a:srgbClr val="000000"/>
+                        </a:solidFill>
+                        <a:effectLst/>
+                        <a:latin typeface="Calibri"/>
+                      </a:endParaRPr>
+                    </a:p>
+                  </a:txBody>
+                  <a:tcPr marL="9525" marR="9525" marT="9525" marB="0" anchor="b"/>
+                </a:tc>
+                <a:tc>
+                  <a:txBody>
+                    <a:bodyPr/>
+                    <a:lstStyle/>
+                    <a:p>
+                      <a:pPr algn="l" fontAlgn="b"/>
+                      <a:r>
+                        <a:rPr lang="en-US" sz="1100" u="none" strike="noStrike">
+                          <a:effectLst/>
+                        </a:rPr>
+                        <a:t>fibs[14]</a:t>
+                      </a:r>
+                      <a:endParaRPr lang="en-US" sz="1100" b="0" i="0" u="none" strike="noStrike">
+                        <a:solidFill>
+                          <a:srgbClr val="000000"/>
+                        </a:solidFill>
+                        <a:effectLst/>
+                        <a:latin typeface="Calibri"/>
+                      </a:endParaRPr>
+                    </a:p>
+                  </a:txBody>
+                  <a:tcPr marL="9525" marR="9525" marT="9525" marB="0" anchor="b"/>
+                </a:tc>
+              </a:tr>
+              <a:tr h="190500">
+                <a:tc>
+                  <a:txBody>
+                    <a:bodyPr/>
+                    <a:lstStyle/>
+                    <a:p>
+                      <a:pPr algn="l" fontAlgn="b"/>
+                      <a:r>
+                        <a:rPr lang="en-US" sz="1100" u="none" strike="noStrike">
+                          <a:effectLst/>
+                        </a:rPr>
+                        <a:t>0x00000060</a:t>
+                      </a:r>
+                      <a:endParaRPr lang="en-US" sz="1100" b="0" i="0" u="none" strike="noStrike">
+                        <a:solidFill>
+                          <a:srgbClr val="000000"/>
+                        </a:solidFill>
+                        <a:effectLst/>
+                        <a:latin typeface="Calibri"/>
+                      </a:endParaRPr>
+                    </a:p>
+                  </a:txBody>
+                  <a:tcPr marL="9525" marR="9525" marT="9525" marB="0" anchor="b"/>
+                </a:tc>
+                <a:tc>
+                  <a:txBody>
+                    <a:bodyPr/>
+                    <a:lstStyle/>
+                    <a:p>
+                      <a:pPr algn="l" fontAlgn="b"/>
+                      <a:endParaRPr lang="en-US" sz="1100" b="0" i="0" u="none" strike="noStrike">
+                        <a:solidFill>
+                          <a:srgbClr val="000000"/>
+                        </a:solidFill>
+                        <a:effectLst/>
+                        <a:latin typeface="Calibri"/>
+                      </a:endParaRPr>
+                    </a:p>
+                  </a:txBody>
+                  <a:tcPr marL="9525" marR="9525" marT="9525" marB="0" anchor="b"/>
+                </a:tc>
+                <a:tc>
+                  <a:txBody>
+                    <a:bodyPr/>
+                    <a:lstStyle/>
+                    <a:p>
+                      <a:pPr algn="l" fontAlgn="b"/>
+                      <a:endParaRPr lang="en-US" sz="1100" b="0" i="0" u="none" strike="noStrike">
+                        <a:solidFill>
+                          <a:srgbClr val="000000"/>
+                        </a:solidFill>
+                        <a:effectLst/>
+                        <a:latin typeface="Calibri"/>
+                      </a:endParaRPr>
+                    </a:p>
+                  </a:txBody>
+                  <a:tcPr marL="9525" marR="9525" marT="9525" marB="0" anchor="b"/>
+                </a:tc>
+                <a:tc>
+                  <a:txBody>
+                    <a:bodyPr/>
+                    <a:lstStyle/>
+                    <a:p>
+                      <a:pPr algn="l" fontAlgn="b"/>
+                      <a:r>
+                        <a:rPr lang="en-US" sz="1100" u="none" strike="noStrike" dirty="0">
+                          <a:effectLst/>
+                        </a:rPr>
+                        <a:t>fibs[15]</a:t>
+                      </a:r>
+                      <a:endParaRPr lang="en-US" sz="1100" b="0" i="0" u="none" strike="noStrike" dirty="0">
+                        <a:solidFill>
+                          <a:srgbClr val="000000"/>
+                        </a:solidFill>
+                        <a:effectLst/>
+                        <a:latin typeface="Calibri"/>
+                      </a:endParaRPr>
+                    </a:p>
+                  </a:txBody>
+                  <a:tcPr marL="9525" marR="9525" marT="9525" marB="0" anchor="b"/>
+                </a:tc>
+              </a:tr>
+            </a:tbl>
+          </a:graphicData>
+        </a:graphic>
+      </p:graphicFrame>
+    </p:spTree>
+    <p:extLst>
+      <p:ext uri="{BB962C8B-B14F-4D97-AF65-F5344CB8AC3E}">
+        <p14:creationId xmlns:p14="http://schemas.microsoft.com/office/powerpoint/2010/main" val="1166900194"/>
+      </p:ext>
+    </p:extLst>
+  </p:cSld>
+  <p:clrMapOvr>
+    <a:masterClrMapping/>
+  </p:clrMapOvr>
+  <p:timing>
+    <p:tnLst>
+      <p:par>
+        <p:cTn id="1" dur="indefinite" restart="never" nodeType="tmRoot"/>
+      </p:par>
+    </p:tnLst>
+  </p:timing>
+</p:sld>
+</file>
+
+<file path=ppt/slides/slide18.xml><?xml version="1.0" encoding="utf-8"?>
+<p:sld xmlns:a="http://schemas.openxmlformats.org/drawingml/2006/main" xmlns:r="http://schemas.openxmlformats.org/officeDocument/2006/relationships" xmlns:p="http://schemas.openxmlformats.org/presentationml/2006/main">
+  <p:cSld>
+    <p:spTree>
+      <p:nvGrpSpPr>
+        <p:cNvPr id="1" name=""/>
+        <p:cNvGrpSpPr/>
+        <p:nvPr/>
+      </p:nvGrpSpPr>
+      <p:grpSpPr>
+        <a:xfrm>
+          <a:off x="0" y="0"/>
+          <a:ext cx="0" cy="0"/>
+          <a:chOff x="0" y="0"/>
+          <a:chExt cx="0" cy="0"/>
+        </a:xfrm>
+      </p:grpSpPr>
+      <p:sp>
+        <p:nvSpPr>
+          <p:cNvPr id="2" name="Title 1"/>
+          <p:cNvSpPr>
+            <a:spLocks noGrp="1"/>
+          </p:cNvSpPr>
+          <p:nvPr>
+            <p:ph type="title"/>
+          </p:nvPr>
+        </p:nvSpPr>
+        <p:spPr/>
+        <p:txBody>
+          <a:bodyPr/>
+          <a:lstStyle/>
+          <a:p>
+            <a:r>
+              <a:rPr lang="en-US" dirty="0" smtClean="0"/>
+              <a:t>Task 3: Fibonacci Results</a:t>
+            </a:r>
+            <a:endParaRPr lang="en-US" dirty="0"/>
+          </a:p>
+        </p:txBody>
+      </p:sp>
+      <p:sp>
+        <p:nvSpPr>
+          <p:cNvPr id="3" name="Content Placeholder 2"/>
+          <p:cNvSpPr>
+            <a:spLocks noGrp="1"/>
+          </p:cNvSpPr>
+          <p:nvPr>
+            <p:ph idx="1"/>
+          </p:nvPr>
+        </p:nvSpPr>
+        <p:spPr/>
+        <p:txBody>
+          <a:bodyPr/>
+          <a:lstStyle/>
+          <a:p>
+            <a:endParaRPr lang="en-US" dirty="0"/>
+          </a:p>
+        </p:txBody>
+      </p:sp>
+    </p:spTree>
+    <p:extLst>
+      <p:ext uri="{BB962C8B-B14F-4D97-AF65-F5344CB8AC3E}">
+        <p14:creationId xmlns:p14="http://schemas.microsoft.com/office/powerpoint/2010/main" val="1814184595"/>
+      </p:ext>
+    </p:extLst>
+  </p:cSld>
+  <p:clrMapOvr>
+    <a:masterClrMapping/>
+  </p:clrMapOvr>
+  <p:timing>
+    <p:tnLst>
+      <p:par>
+        <p:cTn id="1" dur="indefinite" restart="never" nodeType="tmRoot"/>
+      </p:par>
+    </p:tnLst>
+  </p:timing>
+</p:sld>
+</file>
+
+<file path=ppt/slides/slide19.xml><?xml version="1.0" encoding="utf-8"?>
+<p:sld xmlns:a="http://schemas.openxmlformats.org/drawingml/2006/main" xmlns:r="http://schemas.openxmlformats.org/officeDocument/2006/relationships" xmlns:p="http://schemas.openxmlformats.org/presentationml/2006/main">
+  <p:cSld>
+    <p:spTree>
+      <p:nvGrpSpPr>
+        <p:cNvPr id="1" name=""/>
+        <p:cNvGrpSpPr/>
+        <p:nvPr/>
+      </p:nvGrpSpPr>
+      <p:grpSpPr>
+        <a:xfrm>
+          <a:off x="0" y="0"/>
+          <a:ext cx="0" cy="0"/>
+          <a:chOff x="0" y="0"/>
+          <a:chExt cx="0" cy="0"/>
+        </a:xfrm>
+      </p:grpSpPr>
+      <p:sp>
+        <p:nvSpPr>
+          <p:cNvPr id="2" name="Title 1"/>
+          <p:cNvSpPr>
+            <a:spLocks noGrp="1"/>
+          </p:cNvSpPr>
+          <p:nvPr>
+            <p:ph type="title"/>
+          </p:nvPr>
+        </p:nvSpPr>
+        <p:spPr/>
+        <p:txBody>
+          <a:bodyPr/>
+          <a:lstStyle/>
+          <a:p>
+            <a:endParaRPr lang="en-US"/>
+          </a:p>
+        </p:txBody>
+      </p:sp>
+      <p:sp>
+        <p:nvSpPr>
+          <p:cNvPr id="3" name="Content Placeholder 2"/>
+          <p:cNvSpPr>
+            <a:spLocks noGrp="1"/>
+          </p:cNvSpPr>
+          <p:nvPr>
+            <p:ph idx="1"/>
+          </p:nvPr>
+        </p:nvSpPr>
+        <p:spPr/>
+        <p:txBody>
+          <a:bodyPr/>
+          <a:lstStyle/>
+          <a:p>
+            <a:endParaRPr lang="en-US"/>
+          </a:p>
+        </p:txBody>
+      </p:sp>
+    </p:spTree>
+    <p:extLst>
+      <p:ext uri="{BB962C8B-B14F-4D97-AF65-F5344CB8AC3E}">
+        <p14:creationId xmlns:p14="http://schemas.microsoft.com/office/powerpoint/2010/main" val="2140310030"/>
+      </p:ext>
+    </p:extLst>
+  </p:cSld>
+  <p:clrMapOvr>
+    <a:masterClrMapping/>
+  </p:clrMapOvr>
+  <p:timing>
+    <p:tnLst>
+      <p:par>
+        <p:cTn id="1" dur="indefinite" restart="never" nodeType="tmRoot"/>
+      </p:par>
+    </p:tnLst>
+  </p:timing>
+</p:sld>
+</file>
+
 <file path=ppt/slides/slide2.xml><?xml version="1.0" encoding="utf-8"?>
 <p:sld xmlns:a="http://schemas.openxmlformats.org/drawingml/2006/main" xmlns:r="http://schemas.openxmlformats.org/officeDocument/2006/relationships" xmlns:p="http://schemas.openxmlformats.org/presentationml/2006/main">
   <p:cSld>
@@ -5993,6 +9087,165 @@
     <p:extLst>
       <p:ext uri="{BB962C8B-B14F-4D97-AF65-F5344CB8AC3E}">
         <p14:creationId xmlns:p14="http://schemas.microsoft.com/office/powerpoint/2010/main" val="548163782"/>
+      </p:ext>
+    </p:extLst>
+  </p:cSld>
+  <p:clrMapOvr>
+    <a:masterClrMapping/>
+  </p:clrMapOvr>
+  <p:timing>
+    <p:tnLst>
+      <p:par>
+        <p:cTn id="1" dur="indefinite" restart="never" nodeType="tmRoot"/>
+      </p:par>
+    </p:tnLst>
+  </p:timing>
+</p:sld>
+</file>
+
+<file path=ppt/slides/slide20.xml><?xml version="1.0" encoding="utf-8"?>
+<p:sld xmlns:a="http://schemas.openxmlformats.org/drawingml/2006/main" xmlns:r="http://schemas.openxmlformats.org/officeDocument/2006/relationships" xmlns:p="http://schemas.openxmlformats.org/presentationml/2006/main">
+  <p:cSld>
+    <p:spTree>
+      <p:nvGrpSpPr>
+        <p:cNvPr id="1" name=""/>
+        <p:cNvGrpSpPr/>
+        <p:nvPr/>
+      </p:nvGrpSpPr>
+      <p:grpSpPr>
+        <a:xfrm>
+          <a:off x="0" y="0"/>
+          <a:ext cx="0" cy="0"/>
+          <a:chOff x="0" y="0"/>
+          <a:chExt cx="0" cy="0"/>
+        </a:xfrm>
+      </p:grpSpPr>
+      <p:sp>
+        <p:nvSpPr>
+          <p:cNvPr id="2" name="Title 1"/>
+          <p:cNvSpPr>
+            <a:spLocks noGrp="1"/>
+          </p:cNvSpPr>
+          <p:nvPr>
+            <p:ph type="title"/>
+          </p:nvPr>
+        </p:nvSpPr>
+        <p:spPr/>
+        <p:txBody>
+          <a:bodyPr/>
+          <a:lstStyle/>
+          <a:p>
+            <a:r>
+              <a:rPr lang="en-US" dirty="0" smtClean="0"/>
+              <a:t>Thoughts and Conclusions</a:t>
+            </a:r>
+            <a:endParaRPr lang="en-US" dirty="0"/>
+          </a:p>
+        </p:txBody>
+      </p:sp>
+      <p:sp>
+        <p:nvSpPr>
+          <p:cNvPr id="3" name="Content Placeholder 2"/>
+          <p:cNvSpPr>
+            <a:spLocks noGrp="1"/>
+          </p:cNvSpPr>
+          <p:nvPr>
+            <p:ph idx="1"/>
+          </p:nvPr>
+        </p:nvSpPr>
+        <p:spPr/>
+        <p:txBody>
+          <a:bodyPr/>
+          <a:lstStyle/>
+          <a:p>
+            <a:r>
+              <a:rPr lang="en-US" dirty="0" smtClean="0"/>
+              <a:t>Very good project for learning how a processor works internally, and from a hardware level</a:t>
+            </a:r>
+          </a:p>
+          <a:p>
+            <a:r>
+              <a:rPr lang="en-US" dirty="0" smtClean="0"/>
+              <a:t>Taught how to use VHDL better and more in depth, as well as how assembly language works </a:t>
+            </a:r>
+          </a:p>
+          <a:p>
+            <a:r>
+              <a:rPr lang="en-US" dirty="0" smtClean="0"/>
+              <a:t>Taught how to convert assembly language to machine codes for the processor to </a:t>
+            </a:r>
+            <a:r>
+              <a:rPr lang="en-US" smtClean="0"/>
+              <a:t>work with</a:t>
+            </a:r>
+            <a:endParaRPr lang="en-US" dirty="0"/>
+          </a:p>
+        </p:txBody>
+      </p:sp>
+    </p:spTree>
+    <p:extLst>
+      <p:ext uri="{BB962C8B-B14F-4D97-AF65-F5344CB8AC3E}">
+        <p14:creationId xmlns:p14="http://schemas.microsoft.com/office/powerpoint/2010/main" val="1862766982"/>
+      </p:ext>
+    </p:extLst>
+  </p:cSld>
+  <p:clrMapOvr>
+    <a:masterClrMapping/>
+  </p:clrMapOvr>
+  <p:timing>
+    <p:tnLst>
+      <p:par>
+        <p:cTn id="1" dur="indefinite" restart="never" nodeType="tmRoot"/>
+      </p:par>
+    </p:tnLst>
+  </p:timing>
+</p:sld>
+</file>
+
+<file path=ppt/slides/slide21.xml><?xml version="1.0" encoding="utf-8"?>
+<p:sld xmlns:a="http://schemas.openxmlformats.org/drawingml/2006/main" xmlns:r="http://schemas.openxmlformats.org/officeDocument/2006/relationships" xmlns:p="http://schemas.openxmlformats.org/presentationml/2006/main">
+  <p:cSld>
+    <p:spTree>
+      <p:nvGrpSpPr>
+        <p:cNvPr id="1" name=""/>
+        <p:cNvGrpSpPr/>
+        <p:nvPr/>
+      </p:nvGrpSpPr>
+      <p:grpSpPr>
+        <a:xfrm>
+          <a:off x="0" y="0"/>
+          <a:ext cx="0" cy="0"/>
+          <a:chOff x="0" y="0"/>
+          <a:chExt cx="0" cy="0"/>
+        </a:xfrm>
+      </p:grpSpPr>
+      <p:sp>
+        <p:nvSpPr>
+          <p:cNvPr id="2" name="Title 1"/>
+          <p:cNvSpPr>
+            <a:spLocks noGrp="1"/>
+          </p:cNvSpPr>
+          <p:nvPr>
+            <p:ph type="ctrTitle"/>
+          </p:nvPr>
+        </p:nvSpPr>
+        <p:spPr/>
+        <p:txBody>
+          <a:bodyPr/>
+          <a:lstStyle/>
+          <a:p>
+            <a:r>
+              <a:rPr lang="en-US" dirty="0" smtClean="0"/>
+              <a:t>Questions?</a:t>
+            </a:r>
+            <a:endParaRPr lang="en-US" dirty="0"/>
+          </a:p>
+        </p:txBody>
+      </p:sp>
+    </p:spTree>
+    <p:extLst>
+      <p:ext uri="{BB962C8B-B14F-4D97-AF65-F5344CB8AC3E}">
+        <p14:creationId xmlns:p14="http://schemas.microsoft.com/office/powerpoint/2010/main" val="3120266945"/>
       </p:ext>
     </p:extLst>
   </p:cSld>
@@ -6195,8 +9448,13 @@
           <a:p>
             <a:r>
               <a:rPr lang="en-US" dirty="0" smtClean="0"/>
-              <a:t>Coded, debugged, and published by Bob Collins</a:t>
-            </a:r>
+              <a:t>Coded, debugged, and published by Bob </a:t>
+            </a:r>
+            <a:r>
+              <a:rPr lang="en-US" dirty="0" smtClean="0"/>
+              <a:t>Collins</a:t>
+            </a:r>
+            <a:endParaRPr lang="en-US" dirty="0" smtClean="0"/>
           </a:p>
         </p:txBody>
       </p:sp>
@@ -6435,10 +9693,249 @@
           <a:chExt cx="0" cy="0"/>
         </a:xfrm>
       </p:grpSpPr>
+      <p:pic>
+        <p:nvPicPr>
+          <p:cNvPr id="3" name="Picture 2"/>
+          <p:cNvPicPr>
+            <a:picLocks noChangeAspect="1"/>
+          </p:cNvPicPr>
+          <p:nvPr/>
+        </p:nvPicPr>
+        <p:blipFill>
+          <a:blip r:embed="rId2">
+            <a:extLst>
+              <a:ext uri="{28A0092B-C50C-407E-A947-70E740481C1C}">
+                <a14:useLocalDpi xmlns:a14="http://schemas.microsoft.com/office/drawing/2010/main" val="0"/>
+              </a:ext>
+            </a:extLst>
+          </a:blip>
+          <a:stretch>
+            <a:fillRect/>
+          </a:stretch>
+        </p:blipFill>
+        <p:spPr>
+          <a:xfrm>
+            <a:off x="616149" y="609600"/>
+            <a:ext cx="10966251" cy="5639481"/>
+          </a:xfrm>
+          <a:prstGeom prst="rect">
+            <a:avLst/>
+          </a:prstGeom>
+        </p:spPr>
+      </p:pic>
     </p:spTree>
     <p:extLst>
       <p:ext uri="{BB962C8B-B14F-4D97-AF65-F5344CB8AC3E}">
         <p14:creationId xmlns:p14="http://schemas.microsoft.com/office/powerpoint/2010/main" val="344284981"/>
+      </p:ext>
+    </p:extLst>
+  </p:cSld>
+  <p:clrMapOvr>
+    <a:masterClrMapping/>
+  </p:clrMapOvr>
+  <p:timing>
+    <p:tnLst>
+      <p:par>
+        <p:cTn id="1" dur="indefinite" restart="never" nodeType="tmRoot"/>
+      </p:par>
+    </p:tnLst>
+  </p:timing>
+</p:sld>
+</file>
+
+<file path=ppt/slides/slide8.xml><?xml version="1.0" encoding="utf-8"?>
+<p:sld xmlns:a="http://schemas.openxmlformats.org/drawingml/2006/main" xmlns:r="http://schemas.openxmlformats.org/officeDocument/2006/relationships" xmlns:p="http://schemas.openxmlformats.org/presentationml/2006/main">
+  <p:cSld>
+    <p:spTree>
+      <p:nvGrpSpPr>
+        <p:cNvPr id="1" name=""/>
+        <p:cNvGrpSpPr/>
+        <p:nvPr/>
+      </p:nvGrpSpPr>
+      <p:grpSpPr>
+        <a:xfrm>
+          <a:off x="0" y="0"/>
+          <a:ext cx="0" cy="0"/>
+          <a:chOff x="0" y="0"/>
+          <a:chExt cx="0" cy="0"/>
+        </a:xfrm>
+      </p:grpSpPr>
+      <p:sp>
+        <p:nvSpPr>
+          <p:cNvPr id="2" name="Title 1"/>
+          <p:cNvSpPr>
+            <a:spLocks noGrp="1"/>
+          </p:cNvSpPr>
+          <p:nvPr>
+            <p:ph type="title"/>
+          </p:nvPr>
+        </p:nvSpPr>
+        <p:spPr/>
+        <p:txBody>
+          <a:bodyPr/>
+          <a:lstStyle/>
+          <a:p>
+            <a:r>
+              <a:rPr lang="en-US" dirty="0" smtClean="0"/>
+              <a:t>Task 2: The Processor</a:t>
+            </a:r>
+            <a:endParaRPr lang="en-US" dirty="0"/>
+          </a:p>
+        </p:txBody>
+      </p:sp>
+      <p:sp>
+        <p:nvSpPr>
+          <p:cNvPr id="3" name="Content Placeholder 2"/>
+          <p:cNvSpPr>
+            <a:spLocks noGrp="1"/>
+          </p:cNvSpPr>
+          <p:nvPr>
+            <p:ph idx="1"/>
+          </p:nvPr>
+        </p:nvSpPr>
+        <p:spPr/>
+        <p:txBody>
+          <a:bodyPr/>
+          <a:lstStyle/>
+          <a:p>
+            <a:r>
+              <a:rPr lang="en-US" dirty="0" smtClean="0"/>
+              <a:t>32 – bit processor that must perform a task given for the assignment</a:t>
+            </a:r>
+          </a:p>
+          <a:p>
+            <a:r>
+              <a:rPr lang="en-US" dirty="0" smtClean="0"/>
+              <a:t>Implemented using multiple VHDL components that are self-contained</a:t>
+            </a:r>
+            <a:r>
+              <a:rPr lang="en-US" dirty="0"/>
+              <a:t> </a:t>
+            </a:r>
+            <a:r>
+              <a:rPr lang="en-US" dirty="0" smtClean="0"/>
+              <a:t>files that are referenced frequently</a:t>
+            </a:r>
+          </a:p>
+          <a:p>
+            <a:r>
+              <a:rPr lang="en-US" dirty="0" smtClean="0"/>
+              <a:t>Instructions for the task stored in the Instructional SRAM, while data values to be manipulated stored in the Data SRAM</a:t>
+            </a:r>
+          </a:p>
+          <a:p>
+            <a:r>
+              <a:rPr lang="en-US" dirty="0" smtClean="0"/>
+              <a:t>Required a lot of logic and time to get the processor to operate properly</a:t>
+            </a:r>
+          </a:p>
+        </p:txBody>
+      </p:sp>
+    </p:spTree>
+    <p:extLst>
+      <p:ext uri="{BB962C8B-B14F-4D97-AF65-F5344CB8AC3E}">
+        <p14:creationId xmlns:p14="http://schemas.microsoft.com/office/powerpoint/2010/main" val="75946294"/>
+      </p:ext>
+    </p:extLst>
+  </p:cSld>
+  <p:clrMapOvr>
+    <a:masterClrMapping/>
+  </p:clrMapOvr>
+  <p:timing>
+    <p:tnLst>
+      <p:par>
+        <p:cTn id="1" dur="indefinite" restart="never" nodeType="tmRoot"/>
+      </p:par>
+    </p:tnLst>
+  </p:timing>
+</p:sld>
+</file>
+
+<file path=ppt/slides/slide9.xml><?xml version="1.0" encoding="utf-8"?>
+<p:sld xmlns:a="http://schemas.openxmlformats.org/drawingml/2006/main" xmlns:r="http://schemas.openxmlformats.org/officeDocument/2006/relationships" xmlns:p="http://schemas.openxmlformats.org/presentationml/2006/main">
+  <p:cSld>
+    <p:spTree>
+      <p:nvGrpSpPr>
+        <p:cNvPr id="1" name=""/>
+        <p:cNvGrpSpPr/>
+        <p:nvPr/>
+      </p:nvGrpSpPr>
+      <p:grpSpPr>
+        <a:xfrm>
+          <a:off x="0" y="0"/>
+          <a:ext cx="0" cy="0"/>
+          <a:chOff x="0" y="0"/>
+          <a:chExt cx="0" cy="0"/>
+        </a:xfrm>
+      </p:grpSpPr>
+      <p:sp>
+        <p:nvSpPr>
+          <p:cNvPr id="2" name="Title 1"/>
+          <p:cNvSpPr>
+            <a:spLocks noGrp="1"/>
+          </p:cNvSpPr>
+          <p:nvPr>
+            <p:ph type="title"/>
+          </p:nvPr>
+        </p:nvSpPr>
+        <p:spPr/>
+        <p:txBody>
+          <a:bodyPr/>
+          <a:lstStyle/>
+          <a:p>
+            <a:r>
+              <a:rPr lang="en-US" dirty="0" smtClean="0"/>
+              <a:t>Task 2: SRAM</a:t>
+            </a:r>
+            <a:endParaRPr lang="en-US" dirty="0"/>
+          </a:p>
+        </p:txBody>
+      </p:sp>
+      <p:sp>
+        <p:nvSpPr>
+          <p:cNvPr id="3" name="Content Placeholder 2"/>
+          <p:cNvSpPr>
+            <a:spLocks noGrp="1"/>
+          </p:cNvSpPr>
+          <p:nvPr>
+            <p:ph idx="1"/>
+          </p:nvPr>
+        </p:nvSpPr>
+        <p:spPr/>
+        <p:txBody>
+          <a:bodyPr/>
+          <a:lstStyle/>
+          <a:p>
+            <a:r>
+              <a:rPr lang="en-US" dirty="0" smtClean="0"/>
+              <a:t>Designed to take values in, store them temporarily, and then be able to write them out when requested</a:t>
+            </a:r>
+          </a:p>
+          <a:p>
+            <a:r>
+              <a:rPr lang="en-US" dirty="0" smtClean="0"/>
+              <a:t>Two different types of SRAM required, Instructional and Data</a:t>
+            </a:r>
+          </a:p>
+          <a:p>
+            <a:r>
+              <a:rPr lang="en-US" dirty="0" smtClean="0"/>
+              <a:t>Data SRAM stores the values that will be manipulated, such as integers and doubles, and holds them</a:t>
+            </a:r>
+          </a:p>
+          <a:p>
+            <a:r>
+              <a:rPr lang="en-US" dirty="0" smtClean="0"/>
+              <a:t>Instructional SRAM stores the instructions for the control unit, and sends them when called by the program counter and control unit</a:t>
+            </a:r>
+            <a:endParaRPr lang="en-US" dirty="0"/>
+          </a:p>
+        </p:txBody>
+      </p:sp>
+    </p:spTree>
+    <p:extLst>
+      <p:ext uri="{BB962C8B-B14F-4D97-AF65-F5344CB8AC3E}">
+        <p14:creationId xmlns:p14="http://schemas.microsoft.com/office/powerpoint/2010/main" val="213405462"/>
       </p:ext>
     </p:extLst>
   </p:cSld>
@@ -6498,7 +9995,7 @@
     </a:clrScheme>
     <a:fontScheme name="Organic">
       <a:majorFont>
-        <a:latin typeface="Garamond" panose="02020404030301010803"/>
+        <a:latin typeface="Garamond"/>
         <a:ea typeface=""/>
         <a:cs typeface=""/>
         <a:font script="Jpan" typeface="ＭＳ Ｐゴシック"/>
@@ -6533,7 +10030,7 @@
         <a:font script="Geor" typeface="Sylfaen"/>
       </a:majorFont>
       <a:minorFont>
-        <a:latin typeface="Garamond" panose="02020404030301010803"/>
+        <a:latin typeface="Garamond"/>
         <a:ea typeface=""/>
         <a:cs typeface=""/>
         <a:font script="Jpan" typeface="ＭＳ Ｐ明朝"/>
@@ -6682,7 +10179,7 @@
   <a:extraClrSchemeLst/>
   <a:extLst>
     <a:ext uri="{05A4C25C-085E-4340-85A3-A5531E510DB2}">
-      <thm15:themeFamily xmlns:thm15="http://schemas.microsoft.com/office/thememl/2012/main" name="Organic" id="{28CDC826-8792-45C0-861B-85EB3ADEDA33}" vid="{7DAC20F1-423D-49E2-BD0B-50532748BAD0}"/>
+      <thm15:themeFamily xmlns:thm15="http://schemas.microsoft.com/office/thememl/2012/main" xmlns="" name="Organic" id="{28CDC826-8792-45C0-861B-85EB3ADEDA33}" vid="{7DAC20F1-423D-49E2-BD0B-50532748BAD0}"/>
     </a:ext>
   </a:extLst>
 </a:theme>
